--- a/Third Semester/Principle of Programming Languages/Unit-1.pptx
+++ b/Third Semester/Principle of Programming Languages/Unit-1.pptx
@@ -2,7 +2,7 @@
 <file path=ppt/presentation.xml><?xml version="1.0" encoding="utf-8"?>
 <p:presentation xmlns:a="http://schemas.openxmlformats.org/drawingml/2006/main" xmlns:r="http://schemas.openxmlformats.org/officeDocument/2006/relationships" xmlns:p="http://schemas.openxmlformats.org/presentationml/2006/main" saveSubsetFonts="1">
   <p:sldMasterIdLst>
-    <p:sldMasterId id="2147483672" r:id="rId1"/>
+    <p:sldMasterId id="2147483684" r:id="rId1"/>
   </p:sldMasterIdLst>
   <p:notesMasterIdLst>
     <p:notesMasterId r:id="rId38"/>
@@ -244,7 +244,7 @@
             <a:fld id="{0784F4C0-9F38-4099-BC22-5901A8BA9E4B}" type="datetimeFigureOut">
               <a:rPr lang="en-US" smtClean="0"/>
               <a:pPr/>
-              <a:t>2/26/2023</a:t>
+              <a:t>4/22/2023</a:t>
             </a:fld>
             <a:endParaRPr lang="en-US"/>
           </a:p>
@@ -3634,11 +3634,6 @@
 <file path=ppt/slideLayouts/slideLayout1.xml><?xml version="1.0" encoding="utf-8"?>
 <p:sldLayout xmlns:a="http://schemas.openxmlformats.org/drawingml/2006/main" xmlns:r="http://schemas.openxmlformats.org/officeDocument/2006/relationships" xmlns:p="http://schemas.openxmlformats.org/presentationml/2006/main" type="title" preserve="1">
   <p:cSld name="Title Slide">
-    <p:bg>
-      <p:bgRef idx="1002">
-        <a:schemeClr val="bg2"/>
-      </p:bgRef>
-    </p:bg>
     <p:spTree>
       <p:nvGrpSpPr>
         <p:cNvPr id="1" name=""/>
@@ -3655,7 +3650,13 @@
       </p:grpSpPr>
       <p:sp>
         <p:nvSpPr>
-          <p:cNvPr id="9" name="Title 8"/>
+          <p:cNvPr id="2" name="Title 1">
+            <a:extLst>
+              <a:ext uri="{FF2B5EF4-FFF2-40B4-BE49-F238E27FC236}">
+                <a16:creationId xmlns:a16="http://schemas.microsoft.com/office/drawing/2014/main" id="{97FC65EE-825C-49B8-AA68-FA8CD919C1B6}"/>
+              </a:ext>
+            </a:extLst>
+          </p:cNvPr>
           <p:cNvSpPr>
             <a:spLocks noGrp="1"/>
           </p:cNvSpPr>
@@ -3665,61 +3666,20 @@
         </p:nvSpPr>
         <p:spPr>
           <a:xfrm>
-            <a:off x="533400" y="1371600"/>
-            <a:ext cx="7851648" cy="1828800"/>
+            <a:off x="1143000" y="1122363"/>
+            <a:ext cx="6858000" cy="2387600"/>
           </a:xfrm>
-          <a:ln>
-            <a:noFill/>
-          </a:ln>
         </p:spPr>
         <p:txBody>
-          <a:bodyPr vert="horz" tIns="0" rIns="18288" bIns="0" anchor="b">
-            <a:normAutofit/>
-            <a:scene3d>
-              <a:camera prst="orthographicFront"/>
-              <a:lightRig rig="freezing" dir="t">
-                <a:rot lat="0" lon="0" rev="5640000"/>
-              </a:lightRig>
-            </a:scene3d>
-            <a:sp3d prstMaterial="flat">
-              <a:bevelT w="38100" h="38100"/>
-              <a:contourClr>
-                <a:schemeClr val="tx2"/>
-              </a:contourClr>
-            </a:sp3d>
-          </a:bodyPr>
+          <a:bodyPr anchor="b"/>
           <a:lstStyle>
-            <a:lvl1pPr algn="r" rtl="0">
-              <a:spcBef>
-                <a:spcPct val="0"/>
-              </a:spcBef>
-              <a:buNone/>
-              <a:defRPr sz="5600" b="1">
-                <a:ln>
-                  <a:noFill/>
-                </a:ln>
-                <a:solidFill>
-                  <a:schemeClr val="accent3">
-                    <a:tint val="90000"/>
-                    <a:satMod val="120000"/>
-                  </a:schemeClr>
-                </a:solidFill>
-                <a:effectLst>
-                  <a:outerShdw blurRad="38100" dist="25400" dir="5400000" algn="tl" rotWithShape="0">
-                    <a:srgbClr val="000000">
-                      <a:alpha val="43000"/>
-                    </a:srgbClr>
-                  </a:outerShdw>
-                </a:effectLst>
-                <a:latin typeface="+mj-lt"/>
-                <a:ea typeface="+mj-ea"/>
-                <a:cs typeface="+mj-cs"/>
-              </a:defRPr>
+            <a:lvl1pPr algn="ctr">
+              <a:defRPr sz="4500"/>
             </a:lvl1pPr>
           </a:lstStyle>
           <a:p>
             <a:r>
-              <a:rPr kumimoji="0" lang="en-US"/>
+              <a:rPr lang="en-US"/>
               <a:t>Click to edit Master title style</a:t>
             </a:r>
           </a:p>
@@ -3727,7 +3687,13 @@
       </p:sp>
       <p:sp>
         <p:nvSpPr>
-          <p:cNvPr id="17" name="Subtitle 16"/>
+          <p:cNvPr id="3" name="Subtitle 2">
+            <a:extLst>
+              <a:ext uri="{FF2B5EF4-FFF2-40B4-BE49-F238E27FC236}">
+                <a16:creationId xmlns:a16="http://schemas.microsoft.com/office/drawing/2014/main" id="{BF31C8AA-5A54-4C21-969A-3B9766E0976E}"/>
+              </a:ext>
+            </a:extLst>
+          </p:cNvPr>
           <p:cNvSpPr>
             <a:spLocks noGrp="1"/>
           </p:cNvSpPr>
@@ -3737,49 +3703,53 @@
         </p:nvSpPr>
         <p:spPr>
           <a:xfrm>
-            <a:off x="533400" y="3228536"/>
-            <a:ext cx="7854696" cy="1752600"/>
+            <a:off x="1143000" y="3602038"/>
+            <a:ext cx="6858000" cy="1655762"/>
           </a:xfrm>
         </p:spPr>
         <p:txBody>
-          <a:bodyPr lIns="0" rIns="18288"/>
+          <a:bodyPr/>
           <a:lstStyle>
-            <a:lvl1pPr marL="0" marR="45720" indent="0" algn="r">
+            <a:lvl1pPr marL="0" indent="0" algn="ctr">
               <a:buNone/>
-              <a:defRPr>
-                <a:solidFill>
-                  <a:schemeClr val="tx1"/>
-                </a:solidFill>
-              </a:defRPr>
+              <a:defRPr sz="1800"/>
             </a:lvl1pPr>
-            <a:lvl2pPr marL="457200" indent="0" algn="ctr">
+            <a:lvl2pPr marL="342900" indent="0" algn="ctr">
               <a:buNone/>
+              <a:defRPr sz="1500"/>
             </a:lvl2pPr>
-            <a:lvl3pPr marL="914400" indent="0" algn="ctr">
+            <a:lvl3pPr marL="685800" indent="0" algn="ctr">
               <a:buNone/>
+              <a:defRPr sz="1350"/>
             </a:lvl3pPr>
-            <a:lvl4pPr marL="1371600" indent="0" algn="ctr">
+            <a:lvl4pPr marL="1028700" indent="0" algn="ctr">
               <a:buNone/>
+              <a:defRPr sz="1200"/>
             </a:lvl4pPr>
-            <a:lvl5pPr marL="1828800" indent="0" algn="ctr">
+            <a:lvl5pPr marL="1371600" indent="0" algn="ctr">
               <a:buNone/>
+              <a:defRPr sz="1200"/>
             </a:lvl5pPr>
-            <a:lvl6pPr marL="2286000" indent="0" algn="ctr">
+            <a:lvl6pPr marL="1714500" indent="0" algn="ctr">
               <a:buNone/>
+              <a:defRPr sz="1200"/>
             </a:lvl6pPr>
-            <a:lvl7pPr marL="2743200" indent="0" algn="ctr">
+            <a:lvl7pPr marL="2057400" indent="0" algn="ctr">
               <a:buNone/>
+              <a:defRPr sz="1200"/>
             </a:lvl7pPr>
-            <a:lvl8pPr marL="3200400" indent="0" algn="ctr">
+            <a:lvl8pPr marL="2400300" indent="0" algn="ctr">
               <a:buNone/>
+              <a:defRPr sz="1200"/>
             </a:lvl8pPr>
-            <a:lvl9pPr marL="3657600" indent="0" algn="ctr">
+            <a:lvl9pPr marL="2743200" indent="0" algn="ctr">
               <a:buNone/>
+              <a:defRPr sz="1200"/>
             </a:lvl9pPr>
           </a:lstStyle>
           <a:p>
             <a:r>
-              <a:rPr kumimoji="0" lang="en-US"/>
+              <a:rPr lang="en-US"/>
               <a:t>Click to edit Master subtitle style</a:t>
             </a:r>
           </a:p>
@@ -3787,7 +3757,13 @@
       </p:sp>
       <p:sp>
         <p:nvSpPr>
-          <p:cNvPr id="30" name="Date Placeholder 29"/>
+          <p:cNvPr id="4" name="Date Placeholder 3">
+            <a:extLst>
+              <a:ext uri="{FF2B5EF4-FFF2-40B4-BE49-F238E27FC236}">
+                <a16:creationId xmlns:a16="http://schemas.microsoft.com/office/drawing/2014/main" id="{7E405F72-2782-4F5E-B6EE-56F88FF55DF6}"/>
+              </a:ext>
+            </a:extLst>
+          </p:cNvPr>
           <p:cNvSpPr>
             <a:spLocks noGrp="1"/>
           </p:cNvSpPr>
@@ -3802,7 +3778,7 @@
           <a:p>
             <a:fld id="{BF25B0C8-1B30-42C2-B89F-CF5EE08E93F3}" type="datetime1">
               <a:rPr lang="en-US" smtClean="0"/>
-              <a:t>2/26/2023</a:t>
+              <a:t>4/22/2023</a:t>
             </a:fld>
             <a:endParaRPr lang="en-US"/>
           </a:p>
@@ -3810,7 +3786,13 @@
       </p:sp>
       <p:sp>
         <p:nvSpPr>
-          <p:cNvPr id="19" name="Footer Placeholder 18"/>
+          <p:cNvPr id="5" name="Footer Placeholder 4">
+            <a:extLst>
+              <a:ext uri="{FF2B5EF4-FFF2-40B4-BE49-F238E27FC236}">
+                <a16:creationId xmlns:a16="http://schemas.microsoft.com/office/drawing/2014/main" id="{29695011-F4E6-4A56-979D-2A1792C1ECD0}"/>
+              </a:ext>
+            </a:extLst>
+          </p:cNvPr>
           <p:cNvSpPr>
             <a:spLocks noGrp="1"/>
           </p:cNvSpPr>
@@ -3829,7 +3811,13 @@
       </p:sp>
       <p:sp>
         <p:nvSpPr>
-          <p:cNvPr id="27" name="Slide Number Placeholder 26"/>
+          <p:cNvPr id="6" name="Slide Number Placeholder 5">
+            <a:extLst>
+              <a:ext uri="{FF2B5EF4-FFF2-40B4-BE49-F238E27FC236}">
+                <a16:creationId xmlns:a16="http://schemas.microsoft.com/office/drawing/2014/main" id="{FB1ACD16-9C36-4546-BCC1-515F65EDC028}"/>
+              </a:ext>
+            </a:extLst>
+          </p:cNvPr>
           <p:cNvSpPr>
             <a:spLocks noGrp="1"/>
           </p:cNvSpPr>
@@ -3852,9 +3840,14 @@
         </p:txBody>
       </p:sp>
     </p:spTree>
+    <p:extLst>
+      <p:ext uri="{BB962C8B-B14F-4D97-AF65-F5344CB8AC3E}">
+        <p14:creationId xmlns:p14="http://schemas.microsoft.com/office/powerpoint/2010/main" val="2275085014"/>
+      </p:ext>
+    </p:extLst>
   </p:cSld>
   <p:clrMapOvr>
-    <a:overrideClrMapping bg1="dk1" tx1="lt1" bg2="dk2" tx2="lt2" accent1="accent1" accent2="accent2" accent3="accent3" accent4="accent4" accent5="accent5" accent6="accent6" hlink="hlink" folHlink="folHlink"/>
+    <a:masterClrMapping/>
   </p:clrMapOvr>
 </p:sldLayout>
 </file>
@@ -3878,7 +3871,13 @@
       </p:grpSpPr>
       <p:sp>
         <p:nvSpPr>
-          <p:cNvPr id="2" name="Title 1"/>
+          <p:cNvPr id="2" name="Title 1">
+            <a:extLst>
+              <a:ext uri="{FF2B5EF4-FFF2-40B4-BE49-F238E27FC236}">
+                <a16:creationId xmlns:a16="http://schemas.microsoft.com/office/drawing/2014/main" id="{EFA7689F-3A16-4E81-BEF3-4D605042C884}"/>
+              </a:ext>
+            </a:extLst>
+          </p:cNvPr>
           <p:cNvSpPr>
             <a:spLocks noGrp="1"/>
           </p:cNvSpPr>
@@ -3892,7 +3891,7 @@
           <a:lstStyle/>
           <a:p>
             <a:r>
-              <a:rPr kumimoji="0" lang="en-US"/>
+              <a:rPr lang="en-US"/>
               <a:t>Click to edit Master title style</a:t>
             </a:r>
           </a:p>
@@ -3900,7 +3899,13 @@
       </p:sp>
       <p:sp>
         <p:nvSpPr>
-          <p:cNvPr id="3" name="Vertical Text Placeholder 2"/>
+          <p:cNvPr id="3" name="Vertical Text Placeholder 2">
+            <a:extLst>
+              <a:ext uri="{FF2B5EF4-FFF2-40B4-BE49-F238E27FC236}">
+                <a16:creationId xmlns:a16="http://schemas.microsoft.com/office/drawing/2014/main" id="{45891B5B-763C-4782-A09C-4B4F9262B157}"/>
+              </a:ext>
+            </a:extLst>
+          </p:cNvPr>
           <p:cNvSpPr>
             <a:spLocks noGrp="1"/>
           </p:cNvSpPr>
@@ -3913,46 +3918,51 @@
           <a:bodyPr vert="eaVert"/>
           <a:lstStyle/>
           <a:p>
-            <a:pPr lvl="0" eaLnBrk="1" latinLnBrk="0" hangingPunct="1"/>
+            <a:pPr lvl="0"/>
             <a:r>
               <a:rPr lang="en-US"/>
               <a:t>Click to edit Master text styles</a:t>
             </a:r>
           </a:p>
           <a:p>
-            <a:pPr lvl="1" eaLnBrk="1" latinLnBrk="0" hangingPunct="1"/>
+            <a:pPr lvl="1"/>
             <a:r>
               <a:rPr lang="en-US"/>
               <a:t>Second level</a:t>
             </a:r>
           </a:p>
           <a:p>
-            <a:pPr lvl="2" eaLnBrk="1" latinLnBrk="0" hangingPunct="1"/>
+            <a:pPr lvl="2"/>
             <a:r>
               <a:rPr lang="en-US"/>
               <a:t>Third level</a:t>
             </a:r>
           </a:p>
           <a:p>
-            <a:pPr lvl="3" eaLnBrk="1" latinLnBrk="0" hangingPunct="1"/>
+            <a:pPr lvl="3"/>
             <a:r>
               <a:rPr lang="en-US"/>
               <a:t>Fourth level</a:t>
             </a:r>
           </a:p>
           <a:p>
-            <a:pPr lvl="4" eaLnBrk="1" latinLnBrk="0" hangingPunct="1"/>
+            <a:pPr lvl="4"/>
             <a:r>
               <a:rPr lang="en-US"/>
               <a:t>Fifth level</a:t>
             </a:r>
-            <a:endParaRPr kumimoji="0" lang="en-US"/>
-          </a:p>
-        </p:txBody>
-      </p:sp>
-      <p:sp>
-        <p:nvSpPr>
-          <p:cNvPr id="4" name="Date Placeholder 3"/>
+          </a:p>
+        </p:txBody>
+      </p:sp>
+      <p:sp>
+        <p:nvSpPr>
+          <p:cNvPr id="4" name="Date Placeholder 3">
+            <a:extLst>
+              <a:ext uri="{FF2B5EF4-FFF2-40B4-BE49-F238E27FC236}">
+                <a16:creationId xmlns:a16="http://schemas.microsoft.com/office/drawing/2014/main" id="{2F4918E9-F542-4F52-8F4E-63B610296306}"/>
+              </a:ext>
+            </a:extLst>
+          </p:cNvPr>
           <p:cNvSpPr>
             <a:spLocks noGrp="1"/>
           </p:cNvSpPr>
@@ -3967,7 +3977,7 @@
           <a:p>
             <a:fld id="{11715B1A-C3CA-4A6F-B827-6E30A77A4C43}" type="datetime1">
               <a:rPr lang="en-US" smtClean="0"/>
-              <a:t>2/26/2023</a:t>
+              <a:t>4/22/2023</a:t>
             </a:fld>
             <a:endParaRPr lang="en-US"/>
           </a:p>
@@ -3975,7 +3985,13 @@
       </p:sp>
       <p:sp>
         <p:nvSpPr>
-          <p:cNvPr id="5" name="Footer Placeholder 4"/>
+          <p:cNvPr id="5" name="Footer Placeholder 4">
+            <a:extLst>
+              <a:ext uri="{FF2B5EF4-FFF2-40B4-BE49-F238E27FC236}">
+                <a16:creationId xmlns:a16="http://schemas.microsoft.com/office/drawing/2014/main" id="{7B795ADC-861A-489E-A5AB-DD750DDB0045}"/>
+              </a:ext>
+            </a:extLst>
+          </p:cNvPr>
           <p:cNvSpPr>
             <a:spLocks noGrp="1"/>
           </p:cNvSpPr>
@@ -3994,7 +4010,13 @@
       </p:sp>
       <p:sp>
         <p:nvSpPr>
-          <p:cNvPr id="6" name="Slide Number Placeholder 5"/>
+          <p:cNvPr id="6" name="Slide Number Placeholder 5">
+            <a:extLst>
+              <a:ext uri="{FF2B5EF4-FFF2-40B4-BE49-F238E27FC236}">
+                <a16:creationId xmlns:a16="http://schemas.microsoft.com/office/drawing/2014/main" id="{3CBABB04-8DE5-418D-8672-CCB6A83C1120}"/>
+              </a:ext>
+            </a:extLst>
+          </p:cNvPr>
           <p:cNvSpPr>
             <a:spLocks noGrp="1"/>
           </p:cNvSpPr>
@@ -4017,6 +4039,11 @@
         </p:txBody>
       </p:sp>
     </p:spTree>
+    <p:extLst>
+      <p:ext uri="{BB962C8B-B14F-4D97-AF65-F5344CB8AC3E}">
+        <p14:creationId xmlns:p14="http://schemas.microsoft.com/office/powerpoint/2010/main" val="368280293"/>
+      </p:ext>
+    </p:extLst>
   </p:cSld>
   <p:clrMapOvr>
     <a:masterClrMapping/>
@@ -4043,7 +4070,13 @@
       </p:grpSpPr>
       <p:sp>
         <p:nvSpPr>
-          <p:cNvPr id="2" name="Vertical Title 1"/>
+          <p:cNvPr id="2" name="Vertical Title 1">
+            <a:extLst>
+              <a:ext uri="{FF2B5EF4-FFF2-40B4-BE49-F238E27FC236}">
+                <a16:creationId xmlns:a16="http://schemas.microsoft.com/office/drawing/2014/main" id="{A8EF156F-2083-4395-B9BD-D885BEB8A345}"/>
+              </a:ext>
+            </a:extLst>
+          </p:cNvPr>
           <p:cNvSpPr>
             <a:spLocks noGrp="1"/>
           </p:cNvSpPr>
@@ -4053,8 +4086,8 @@
         </p:nvSpPr>
         <p:spPr>
           <a:xfrm>
-            <a:off x="6629400" y="914401"/>
-            <a:ext cx="2057400" cy="5211763"/>
+            <a:off x="6543675" y="365125"/>
+            <a:ext cx="1971675" cy="5811838"/>
           </a:xfrm>
         </p:spPr>
         <p:txBody>
@@ -4062,7 +4095,7 @@
           <a:lstStyle/>
           <a:p>
             <a:r>
-              <a:rPr kumimoji="0" lang="en-US"/>
+              <a:rPr lang="en-US"/>
               <a:t>Click to edit Master title style</a:t>
             </a:r>
           </a:p>
@@ -4070,7 +4103,13 @@
       </p:sp>
       <p:sp>
         <p:nvSpPr>
-          <p:cNvPr id="3" name="Vertical Text Placeholder 2"/>
+          <p:cNvPr id="3" name="Vertical Text Placeholder 2">
+            <a:extLst>
+              <a:ext uri="{FF2B5EF4-FFF2-40B4-BE49-F238E27FC236}">
+                <a16:creationId xmlns:a16="http://schemas.microsoft.com/office/drawing/2014/main" id="{F704509A-795C-4529-90BB-01AB37F824AF}"/>
+              </a:ext>
+            </a:extLst>
+          </p:cNvPr>
           <p:cNvSpPr>
             <a:spLocks noGrp="1"/>
           </p:cNvSpPr>
@@ -4080,54 +4119,59 @@
         </p:nvSpPr>
         <p:spPr>
           <a:xfrm>
-            <a:off x="457200" y="914401"/>
-            <a:ext cx="6019800" cy="5211763"/>
+            <a:off x="628650" y="365125"/>
+            <a:ext cx="5800725" cy="5811838"/>
           </a:xfrm>
         </p:spPr>
         <p:txBody>
           <a:bodyPr vert="eaVert"/>
           <a:lstStyle/>
           <a:p>
-            <a:pPr lvl="0" eaLnBrk="1" latinLnBrk="0" hangingPunct="1"/>
+            <a:pPr lvl="0"/>
             <a:r>
               <a:rPr lang="en-US"/>
               <a:t>Click to edit Master text styles</a:t>
             </a:r>
           </a:p>
           <a:p>
-            <a:pPr lvl="1" eaLnBrk="1" latinLnBrk="0" hangingPunct="1"/>
+            <a:pPr lvl="1"/>
             <a:r>
               <a:rPr lang="en-US"/>
               <a:t>Second level</a:t>
             </a:r>
           </a:p>
           <a:p>
-            <a:pPr lvl="2" eaLnBrk="1" latinLnBrk="0" hangingPunct="1"/>
+            <a:pPr lvl="2"/>
             <a:r>
               <a:rPr lang="en-US"/>
               <a:t>Third level</a:t>
             </a:r>
           </a:p>
           <a:p>
-            <a:pPr lvl="3" eaLnBrk="1" latinLnBrk="0" hangingPunct="1"/>
+            <a:pPr lvl="3"/>
             <a:r>
               <a:rPr lang="en-US"/>
               <a:t>Fourth level</a:t>
             </a:r>
           </a:p>
           <a:p>
-            <a:pPr lvl="4" eaLnBrk="1" latinLnBrk="0" hangingPunct="1"/>
+            <a:pPr lvl="4"/>
             <a:r>
               <a:rPr lang="en-US"/>
               <a:t>Fifth level</a:t>
             </a:r>
-            <a:endParaRPr kumimoji="0" lang="en-US"/>
-          </a:p>
-        </p:txBody>
-      </p:sp>
-      <p:sp>
-        <p:nvSpPr>
-          <p:cNvPr id="4" name="Date Placeholder 3"/>
+          </a:p>
+        </p:txBody>
+      </p:sp>
+      <p:sp>
+        <p:nvSpPr>
+          <p:cNvPr id="4" name="Date Placeholder 3">
+            <a:extLst>
+              <a:ext uri="{FF2B5EF4-FFF2-40B4-BE49-F238E27FC236}">
+                <a16:creationId xmlns:a16="http://schemas.microsoft.com/office/drawing/2014/main" id="{28AD49EE-14C9-4EA0-B4C0-1A498CDD7AAB}"/>
+              </a:ext>
+            </a:extLst>
+          </p:cNvPr>
           <p:cNvSpPr>
             <a:spLocks noGrp="1"/>
           </p:cNvSpPr>
@@ -4142,7 +4186,7 @@
           <a:p>
             <a:fld id="{68C2FF53-4607-4AEB-9FEC-CBEBBB9992AA}" type="datetime1">
               <a:rPr lang="en-US" smtClean="0"/>
-              <a:t>2/26/2023</a:t>
+              <a:t>4/22/2023</a:t>
             </a:fld>
             <a:endParaRPr lang="en-US"/>
           </a:p>
@@ -4150,7 +4194,13 @@
       </p:sp>
       <p:sp>
         <p:nvSpPr>
-          <p:cNvPr id="5" name="Footer Placeholder 4"/>
+          <p:cNvPr id="5" name="Footer Placeholder 4">
+            <a:extLst>
+              <a:ext uri="{FF2B5EF4-FFF2-40B4-BE49-F238E27FC236}">
+                <a16:creationId xmlns:a16="http://schemas.microsoft.com/office/drawing/2014/main" id="{82EEE8C8-EB1C-4B01-851A-6A045137168C}"/>
+              </a:ext>
+            </a:extLst>
+          </p:cNvPr>
           <p:cNvSpPr>
             <a:spLocks noGrp="1"/>
           </p:cNvSpPr>
@@ -4169,7 +4219,13 @@
       </p:sp>
       <p:sp>
         <p:nvSpPr>
-          <p:cNvPr id="6" name="Slide Number Placeholder 5"/>
+          <p:cNvPr id="6" name="Slide Number Placeholder 5">
+            <a:extLst>
+              <a:ext uri="{FF2B5EF4-FFF2-40B4-BE49-F238E27FC236}">
+                <a16:creationId xmlns:a16="http://schemas.microsoft.com/office/drawing/2014/main" id="{854E1608-2522-46C7-AB22-33EA9197F8DC}"/>
+              </a:ext>
+            </a:extLst>
+          </p:cNvPr>
           <p:cNvSpPr>
             <a:spLocks noGrp="1"/>
           </p:cNvSpPr>
@@ -4192,6 +4248,11 @@
         </p:txBody>
       </p:sp>
     </p:spTree>
+    <p:extLst>
+      <p:ext uri="{BB962C8B-B14F-4D97-AF65-F5344CB8AC3E}">
+        <p14:creationId xmlns:p14="http://schemas.microsoft.com/office/powerpoint/2010/main" val="3081105278"/>
+      </p:ext>
+    </p:extLst>
   </p:cSld>
   <p:clrMapOvr>
     <a:masterClrMapping/>
@@ -4218,7 +4279,13 @@
       </p:grpSpPr>
       <p:sp>
         <p:nvSpPr>
-          <p:cNvPr id="2" name="Title 1"/>
+          <p:cNvPr id="2" name="Title 1">
+            <a:extLst>
+              <a:ext uri="{FF2B5EF4-FFF2-40B4-BE49-F238E27FC236}">
+                <a16:creationId xmlns:a16="http://schemas.microsoft.com/office/drawing/2014/main" id="{B972D385-837B-4764-99C7-9DF92F6D0018}"/>
+              </a:ext>
+            </a:extLst>
+          </p:cNvPr>
           <p:cNvSpPr>
             <a:spLocks noGrp="1"/>
           </p:cNvSpPr>
@@ -4232,7 +4299,7 @@
           <a:lstStyle/>
           <a:p>
             <a:r>
-              <a:rPr kumimoji="0" lang="en-US"/>
+              <a:rPr lang="en-US"/>
               <a:t>Click to edit Master title style</a:t>
             </a:r>
           </a:p>
@@ -4240,7 +4307,13 @@
       </p:sp>
       <p:sp>
         <p:nvSpPr>
-          <p:cNvPr id="3" name="Content Placeholder 2"/>
+          <p:cNvPr id="3" name="Content Placeholder 2">
+            <a:extLst>
+              <a:ext uri="{FF2B5EF4-FFF2-40B4-BE49-F238E27FC236}">
+                <a16:creationId xmlns:a16="http://schemas.microsoft.com/office/drawing/2014/main" id="{05D462B7-1826-4769-AE61-CA99A0F75302}"/>
+              </a:ext>
+            </a:extLst>
+          </p:cNvPr>
           <p:cNvSpPr>
             <a:spLocks noGrp="1"/>
           </p:cNvSpPr>
@@ -4253,46 +4326,51 @@
           <a:bodyPr/>
           <a:lstStyle/>
           <a:p>
-            <a:pPr lvl="0" eaLnBrk="1" latinLnBrk="0" hangingPunct="1"/>
+            <a:pPr lvl="0"/>
             <a:r>
               <a:rPr lang="en-US"/>
               <a:t>Click to edit Master text styles</a:t>
             </a:r>
           </a:p>
           <a:p>
-            <a:pPr lvl="1" eaLnBrk="1" latinLnBrk="0" hangingPunct="1"/>
+            <a:pPr lvl="1"/>
             <a:r>
               <a:rPr lang="en-US"/>
               <a:t>Second level</a:t>
             </a:r>
           </a:p>
           <a:p>
-            <a:pPr lvl="2" eaLnBrk="1" latinLnBrk="0" hangingPunct="1"/>
+            <a:pPr lvl="2"/>
             <a:r>
               <a:rPr lang="en-US"/>
               <a:t>Third level</a:t>
             </a:r>
           </a:p>
           <a:p>
-            <a:pPr lvl="3" eaLnBrk="1" latinLnBrk="0" hangingPunct="1"/>
+            <a:pPr lvl="3"/>
             <a:r>
               <a:rPr lang="en-US"/>
               <a:t>Fourth level</a:t>
             </a:r>
           </a:p>
           <a:p>
-            <a:pPr lvl="4" eaLnBrk="1" latinLnBrk="0" hangingPunct="1"/>
+            <a:pPr lvl="4"/>
             <a:r>
               <a:rPr lang="en-US"/>
               <a:t>Fifth level</a:t>
             </a:r>
-            <a:endParaRPr kumimoji="0" lang="en-US"/>
-          </a:p>
-        </p:txBody>
-      </p:sp>
-      <p:sp>
-        <p:nvSpPr>
-          <p:cNvPr id="4" name="Date Placeholder 3"/>
+          </a:p>
+        </p:txBody>
+      </p:sp>
+      <p:sp>
+        <p:nvSpPr>
+          <p:cNvPr id="4" name="Date Placeholder 3">
+            <a:extLst>
+              <a:ext uri="{FF2B5EF4-FFF2-40B4-BE49-F238E27FC236}">
+                <a16:creationId xmlns:a16="http://schemas.microsoft.com/office/drawing/2014/main" id="{CD1D1BE1-F323-465F-B1C2-F0B515CE5C12}"/>
+              </a:ext>
+            </a:extLst>
+          </p:cNvPr>
           <p:cNvSpPr>
             <a:spLocks noGrp="1"/>
           </p:cNvSpPr>
@@ -4307,7 +4385,7 @@
           <a:p>
             <a:fld id="{3616679C-73FC-4EE4-AF86-CCE16235562D}" type="datetime1">
               <a:rPr lang="en-US" smtClean="0"/>
-              <a:t>2/26/2023</a:t>
+              <a:t>4/22/2023</a:t>
             </a:fld>
             <a:endParaRPr lang="en-US"/>
           </a:p>
@@ -4315,7 +4393,13 @@
       </p:sp>
       <p:sp>
         <p:nvSpPr>
-          <p:cNvPr id="5" name="Footer Placeholder 4"/>
+          <p:cNvPr id="5" name="Footer Placeholder 4">
+            <a:extLst>
+              <a:ext uri="{FF2B5EF4-FFF2-40B4-BE49-F238E27FC236}">
+                <a16:creationId xmlns:a16="http://schemas.microsoft.com/office/drawing/2014/main" id="{E7375A62-40CF-4638-8E67-7648DCF73837}"/>
+              </a:ext>
+            </a:extLst>
+          </p:cNvPr>
           <p:cNvSpPr>
             <a:spLocks noGrp="1"/>
           </p:cNvSpPr>
@@ -4334,7 +4418,13 @@
       </p:sp>
       <p:sp>
         <p:nvSpPr>
-          <p:cNvPr id="6" name="Slide Number Placeholder 5"/>
+          <p:cNvPr id="6" name="Slide Number Placeholder 5">
+            <a:extLst>
+              <a:ext uri="{FF2B5EF4-FFF2-40B4-BE49-F238E27FC236}">
+                <a16:creationId xmlns:a16="http://schemas.microsoft.com/office/drawing/2014/main" id="{76E4DB95-7474-4598-AC95-8D00D4021AFD}"/>
+              </a:ext>
+            </a:extLst>
+          </p:cNvPr>
           <p:cNvSpPr>
             <a:spLocks noGrp="1"/>
           </p:cNvSpPr>
@@ -4357,6 +4447,11 @@
         </p:txBody>
       </p:sp>
     </p:spTree>
+    <p:extLst>
+      <p:ext uri="{BB962C8B-B14F-4D97-AF65-F5344CB8AC3E}">
+        <p14:creationId xmlns:p14="http://schemas.microsoft.com/office/powerpoint/2010/main" val="920666832"/>
+      </p:ext>
+    </p:extLst>
   </p:cSld>
   <p:clrMapOvr>
     <a:masterClrMapping/>
@@ -4367,11 +4462,6 @@
 <file path=ppt/slideLayouts/slideLayout3.xml><?xml version="1.0" encoding="utf-8"?>
 <p:sldLayout xmlns:a="http://schemas.openxmlformats.org/drawingml/2006/main" xmlns:r="http://schemas.openxmlformats.org/officeDocument/2006/relationships" xmlns:p="http://schemas.openxmlformats.org/presentationml/2006/main" type="secHead" preserve="1">
   <p:cSld name="Section Header">
-    <p:bg>
-      <p:bgRef idx="1002">
-        <a:schemeClr val="bg2"/>
-      </p:bgRef>
-    </p:bg>
     <p:spTree>
       <p:nvGrpSpPr>
         <p:cNvPr id="1" name=""/>
@@ -4388,7 +4478,13 @@
       </p:grpSpPr>
       <p:sp>
         <p:nvSpPr>
-          <p:cNvPr id="2" name="Title 1"/>
+          <p:cNvPr id="2" name="Title 1">
+            <a:extLst>
+              <a:ext uri="{FF2B5EF4-FFF2-40B4-BE49-F238E27FC236}">
+                <a16:creationId xmlns:a16="http://schemas.microsoft.com/office/drawing/2014/main" id="{5FAC0CAE-B708-4653-ABCD-280250CE74C4}"/>
+              </a:ext>
+            </a:extLst>
+          </p:cNvPr>
           <p:cNvSpPr>
             <a:spLocks noGrp="1"/>
           </p:cNvSpPr>
@@ -4398,58 +4494,20 @@
         </p:nvSpPr>
         <p:spPr>
           <a:xfrm>
-            <a:off x="530352" y="1316736"/>
-            <a:ext cx="7772400" cy="1362456"/>
+            <a:off x="623888" y="1709739"/>
+            <a:ext cx="7886700" cy="2852737"/>
           </a:xfrm>
-          <a:ln>
-            <a:noFill/>
-          </a:ln>
         </p:spPr>
         <p:txBody>
-          <a:bodyPr vert="horz" tIns="0" bIns="0" anchor="b">
-            <a:noAutofit/>
-            <a:scene3d>
-              <a:camera prst="orthographicFront"/>
-              <a:lightRig rig="freezing" dir="t">
-                <a:rot lat="0" lon="0" rev="5640000"/>
-              </a:lightRig>
-            </a:scene3d>
-            <a:sp3d prstMaterial="flat">
-              <a:bevelT w="38100" h="38100"/>
-            </a:sp3d>
-          </a:bodyPr>
+          <a:bodyPr anchor="b"/>
           <a:lstStyle>
-            <a:lvl1pPr algn="l" rtl="0">
-              <a:spcBef>
-                <a:spcPct val="0"/>
-              </a:spcBef>
-              <a:buNone/>
-              <a:defRPr lang="en-US" sz="5600" b="1" cap="none" baseline="0" dirty="0">
-                <a:ln w="635">
-                  <a:noFill/>
-                </a:ln>
-                <a:solidFill>
-                  <a:schemeClr val="accent4">
-                    <a:tint val="90000"/>
-                    <a:satMod val="125000"/>
-                  </a:schemeClr>
-                </a:solidFill>
-                <a:effectLst>
-                  <a:outerShdw blurRad="38100" dist="25400" dir="5400000" algn="tl" rotWithShape="0">
-                    <a:srgbClr val="000000">
-                      <a:alpha val="43000"/>
-                    </a:srgbClr>
-                  </a:outerShdw>
-                </a:effectLst>
-                <a:latin typeface="+mj-lt"/>
-                <a:ea typeface="+mj-ea"/>
-                <a:cs typeface="+mj-cs"/>
-              </a:defRPr>
+            <a:lvl1pPr>
+              <a:defRPr sz="4500"/>
             </a:lvl1pPr>
           </a:lstStyle>
           <a:p>
             <a:r>
-              <a:rPr kumimoji="0" lang="en-US"/>
+              <a:rPr lang="en-US"/>
               <a:t>Click to edit Master title style</a:t>
             </a:r>
           </a:p>
@@ -4457,7 +4515,13 @@
       </p:sp>
       <p:sp>
         <p:nvSpPr>
-          <p:cNvPr id="3" name="Text Placeholder 2"/>
+          <p:cNvPr id="3" name="Text Placeholder 2">
+            <a:extLst>
+              <a:ext uri="{FF2B5EF4-FFF2-40B4-BE49-F238E27FC236}">
+                <a16:creationId xmlns:a16="http://schemas.microsoft.com/office/drawing/2014/main" id="{1FD7E519-DF58-4ED1-9B57-D43C247118E3}"/>
+              </a:ext>
+            </a:extLst>
+          </p:cNvPr>
           <p:cNvSpPr>
             <a:spLocks noGrp="1"/>
           </p:cNvSpPr>
@@ -4467,22 +4531,14 @@
         </p:nvSpPr>
         <p:spPr>
           <a:xfrm>
-            <a:off x="530352" y="2704664"/>
-            <a:ext cx="7772400" cy="1509712"/>
+            <a:off x="623888" y="4589464"/>
+            <a:ext cx="7886700" cy="1500187"/>
           </a:xfrm>
         </p:spPr>
         <p:txBody>
-          <a:bodyPr lIns="45720" rIns="45720" anchor="t"/>
+          <a:bodyPr/>
           <a:lstStyle>
             <a:lvl1pPr marL="0" indent="0">
-              <a:buNone/>
-              <a:defRPr sz="2200">
-                <a:solidFill>
-                  <a:schemeClr val="tx1"/>
-                </a:solidFill>
-              </a:defRPr>
-            </a:lvl1pPr>
-            <a:lvl2pPr>
               <a:buNone/>
               <a:defRPr sz="1800">
                 <a:solidFill>
@@ -4491,10 +4547,20 @@
                   </a:schemeClr>
                 </a:solidFill>
               </a:defRPr>
+            </a:lvl1pPr>
+            <a:lvl2pPr marL="342900" indent="0">
+              <a:buNone/>
+              <a:defRPr sz="1500">
+                <a:solidFill>
+                  <a:schemeClr val="tx1">
+                    <a:tint val="75000"/>
+                  </a:schemeClr>
+                </a:solidFill>
+              </a:defRPr>
             </a:lvl2pPr>
-            <a:lvl3pPr>
+            <a:lvl3pPr marL="685800" indent="0">
               <a:buNone/>
-              <a:defRPr sz="1600">
+              <a:defRPr sz="1350">
                 <a:solidFill>
                   <a:schemeClr val="tx1">
                     <a:tint val="75000"/>
@@ -4502,9 +4568,9 @@
                 </a:solidFill>
               </a:defRPr>
             </a:lvl3pPr>
-            <a:lvl4pPr>
+            <a:lvl4pPr marL="1028700" indent="0">
               <a:buNone/>
-              <a:defRPr sz="1400">
+              <a:defRPr sz="1200">
                 <a:solidFill>
                   <a:schemeClr val="tx1">
                     <a:tint val="75000"/>
@@ -4512,9 +4578,9 @@
                 </a:solidFill>
               </a:defRPr>
             </a:lvl4pPr>
-            <a:lvl5pPr>
+            <a:lvl5pPr marL="1371600" indent="0">
               <a:buNone/>
-              <a:defRPr sz="1400">
+              <a:defRPr sz="1200">
                 <a:solidFill>
                   <a:schemeClr val="tx1">
                     <a:tint val="75000"/>
@@ -4522,11 +4588,51 @@
                 </a:solidFill>
               </a:defRPr>
             </a:lvl5pPr>
+            <a:lvl6pPr marL="1714500" indent="0">
+              <a:buNone/>
+              <a:defRPr sz="1200">
+                <a:solidFill>
+                  <a:schemeClr val="tx1">
+                    <a:tint val="75000"/>
+                  </a:schemeClr>
+                </a:solidFill>
+              </a:defRPr>
+            </a:lvl6pPr>
+            <a:lvl7pPr marL="2057400" indent="0">
+              <a:buNone/>
+              <a:defRPr sz="1200">
+                <a:solidFill>
+                  <a:schemeClr val="tx1">
+                    <a:tint val="75000"/>
+                  </a:schemeClr>
+                </a:solidFill>
+              </a:defRPr>
+            </a:lvl7pPr>
+            <a:lvl8pPr marL="2400300" indent="0">
+              <a:buNone/>
+              <a:defRPr sz="1200">
+                <a:solidFill>
+                  <a:schemeClr val="tx1">
+                    <a:tint val="75000"/>
+                  </a:schemeClr>
+                </a:solidFill>
+              </a:defRPr>
+            </a:lvl8pPr>
+            <a:lvl9pPr marL="2743200" indent="0">
+              <a:buNone/>
+              <a:defRPr sz="1200">
+                <a:solidFill>
+                  <a:schemeClr val="tx1">
+                    <a:tint val="75000"/>
+                  </a:schemeClr>
+                </a:solidFill>
+              </a:defRPr>
+            </a:lvl9pPr>
           </a:lstStyle>
           <a:p>
-            <a:pPr lvl="0" eaLnBrk="1" latinLnBrk="0" hangingPunct="1"/>
-            <a:r>
-              <a:rPr kumimoji="0" lang="en-US"/>
+            <a:pPr lvl="0"/>
+            <a:r>
+              <a:rPr lang="en-US"/>
               <a:t>Click to edit Master text styles</a:t>
             </a:r>
           </a:p>
@@ -4534,7 +4640,13 @@
       </p:sp>
       <p:sp>
         <p:nvSpPr>
-          <p:cNvPr id="4" name="Date Placeholder 3"/>
+          <p:cNvPr id="4" name="Date Placeholder 3">
+            <a:extLst>
+              <a:ext uri="{FF2B5EF4-FFF2-40B4-BE49-F238E27FC236}">
+                <a16:creationId xmlns:a16="http://schemas.microsoft.com/office/drawing/2014/main" id="{DC79BCAD-0703-4457-93D5-9A73615F808C}"/>
+              </a:ext>
+            </a:extLst>
+          </p:cNvPr>
           <p:cNvSpPr>
             <a:spLocks noGrp="1"/>
           </p:cNvSpPr>
@@ -4549,7 +4661,7 @@
           <a:p>
             <a:fld id="{62945E60-F04E-40F7-B49B-C305984C936D}" type="datetime1">
               <a:rPr lang="en-US" smtClean="0"/>
-              <a:t>2/26/2023</a:t>
+              <a:t>4/22/2023</a:t>
             </a:fld>
             <a:endParaRPr lang="en-US"/>
           </a:p>
@@ -4557,7 +4669,13 @@
       </p:sp>
       <p:sp>
         <p:nvSpPr>
-          <p:cNvPr id="5" name="Footer Placeholder 4"/>
+          <p:cNvPr id="5" name="Footer Placeholder 4">
+            <a:extLst>
+              <a:ext uri="{FF2B5EF4-FFF2-40B4-BE49-F238E27FC236}">
+                <a16:creationId xmlns:a16="http://schemas.microsoft.com/office/drawing/2014/main" id="{AE58D35E-305F-428D-9DF3-0AEDC3602C1F}"/>
+              </a:ext>
+            </a:extLst>
+          </p:cNvPr>
           <p:cNvSpPr>
             <a:spLocks noGrp="1"/>
           </p:cNvSpPr>
@@ -4576,7 +4694,13 @@
       </p:sp>
       <p:sp>
         <p:nvSpPr>
-          <p:cNvPr id="6" name="Slide Number Placeholder 5"/>
+          <p:cNvPr id="6" name="Slide Number Placeholder 5">
+            <a:extLst>
+              <a:ext uri="{FF2B5EF4-FFF2-40B4-BE49-F238E27FC236}">
+                <a16:creationId xmlns:a16="http://schemas.microsoft.com/office/drawing/2014/main" id="{E47859CE-ED81-420C-841C-1D99DADBFBE4}"/>
+              </a:ext>
+            </a:extLst>
+          </p:cNvPr>
           <p:cNvSpPr>
             <a:spLocks noGrp="1"/>
           </p:cNvSpPr>
@@ -4599,9 +4723,14 @@
         </p:txBody>
       </p:sp>
     </p:spTree>
+    <p:extLst>
+      <p:ext uri="{BB962C8B-B14F-4D97-AF65-F5344CB8AC3E}">
+        <p14:creationId xmlns:p14="http://schemas.microsoft.com/office/powerpoint/2010/main" val="1494227013"/>
+      </p:ext>
+    </p:extLst>
   </p:cSld>
   <p:clrMapOvr>
-    <a:overrideClrMapping bg1="dk1" tx1="lt1" bg2="dk2" tx2="lt2" accent1="accent1" accent2="accent2" accent3="accent3" accent4="accent4" accent5="accent5" accent6="accent6" hlink="hlink" folHlink="folHlink"/>
+    <a:masterClrMapping/>
   </p:clrMapOvr>
 </p:sldLayout>
 </file>
@@ -4625,180 +4754,165 @@
       </p:grpSpPr>
       <p:sp>
         <p:nvSpPr>
-          <p:cNvPr id="2" name="Title 1"/>
+          <p:cNvPr id="2" name="Title 1">
+            <a:extLst>
+              <a:ext uri="{FF2B5EF4-FFF2-40B4-BE49-F238E27FC236}">
+                <a16:creationId xmlns:a16="http://schemas.microsoft.com/office/drawing/2014/main" id="{BDCD76EF-A604-419F-9978-029B9C658264}"/>
+              </a:ext>
+            </a:extLst>
+          </p:cNvPr>
           <p:cNvSpPr>
             <a:spLocks noGrp="1"/>
           </p:cNvSpPr>
           <p:nvPr>
             <p:ph type="title"/>
+          </p:nvPr>
+        </p:nvSpPr>
+        <p:spPr/>
+        <p:txBody>
+          <a:bodyPr/>
+          <a:lstStyle/>
+          <a:p>
+            <a:r>
+              <a:rPr lang="en-US"/>
+              <a:t>Click to edit Master title style</a:t>
+            </a:r>
+          </a:p>
+        </p:txBody>
+      </p:sp>
+      <p:sp>
+        <p:nvSpPr>
+          <p:cNvPr id="3" name="Content Placeholder 2">
+            <a:extLst>
+              <a:ext uri="{FF2B5EF4-FFF2-40B4-BE49-F238E27FC236}">
+                <a16:creationId xmlns:a16="http://schemas.microsoft.com/office/drawing/2014/main" id="{3D816CE9-55D2-4CD1-8677-916C731AAE71}"/>
+              </a:ext>
+            </a:extLst>
+          </p:cNvPr>
+          <p:cNvSpPr>
+            <a:spLocks noGrp="1"/>
+          </p:cNvSpPr>
+          <p:nvPr>
+            <p:ph sz="half" idx="1"/>
           </p:nvPr>
         </p:nvSpPr>
         <p:spPr>
           <a:xfrm>
-            <a:off x="457200" y="704088"/>
-            <a:ext cx="8229600" cy="1143000"/>
+            <a:off x="628650" y="1825625"/>
+            <a:ext cx="3886200" cy="4351338"/>
           </a:xfrm>
         </p:spPr>
         <p:txBody>
           <a:bodyPr/>
           <a:lstStyle/>
           <a:p>
-            <a:r>
-              <a:rPr kumimoji="0" lang="en-US"/>
-              <a:t>Click to edit Master title style</a:t>
-            </a:r>
-          </a:p>
-        </p:txBody>
-      </p:sp>
-      <p:sp>
-        <p:nvSpPr>
-          <p:cNvPr id="3" name="Content Placeholder 2"/>
-          <p:cNvSpPr>
-            <a:spLocks noGrp="1"/>
-          </p:cNvSpPr>
-          <p:nvPr>
-            <p:ph sz="half" idx="1"/>
+            <a:pPr lvl="0"/>
+            <a:r>
+              <a:rPr lang="en-US"/>
+              <a:t>Click to edit Master text styles</a:t>
+            </a:r>
+          </a:p>
+          <a:p>
+            <a:pPr lvl="1"/>
+            <a:r>
+              <a:rPr lang="en-US"/>
+              <a:t>Second level</a:t>
+            </a:r>
+          </a:p>
+          <a:p>
+            <a:pPr lvl="2"/>
+            <a:r>
+              <a:rPr lang="en-US"/>
+              <a:t>Third level</a:t>
+            </a:r>
+          </a:p>
+          <a:p>
+            <a:pPr lvl="3"/>
+            <a:r>
+              <a:rPr lang="en-US"/>
+              <a:t>Fourth level</a:t>
+            </a:r>
+          </a:p>
+          <a:p>
+            <a:pPr lvl="4"/>
+            <a:r>
+              <a:rPr lang="en-US"/>
+              <a:t>Fifth level</a:t>
+            </a:r>
+          </a:p>
+        </p:txBody>
+      </p:sp>
+      <p:sp>
+        <p:nvSpPr>
+          <p:cNvPr id="4" name="Content Placeholder 3">
+            <a:extLst>
+              <a:ext uri="{FF2B5EF4-FFF2-40B4-BE49-F238E27FC236}">
+                <a16:creationId xmlns:a16="http://schemas.microsoft.com/office/drawing/2014/main" id="{9CBD3D80-3D06-4CD6-932A-FCF4FBA684A6}"/>
+              </a:ext>
+            </a:extLst>
+          </p:cNvPr>
+          <p:cNvSpPr>
+            <a:spLocks noGrp="1"/>
+          </p:cNvSpPr>
+          <p:nvPr>
+            <p:ph sz="half" idx="2"/>
           </p:nvPr>
         </p:nvSpPr>
         <p:spPr>
           <a:xfrm>
-            <a:off x="457200" y="1920085"/>
-            <a:ext cx="4038600" cy="4434840"/>
+            <a:off x="4629150" y="1825625"/>
+            <a:ext cx="3886200" cy="4351338"/>
           </a:xfrm>
         </p:spPr>
         <p:txBody>
           <a:bodyPr/>
-          <a:lstStyle>
-            <a:lvl1pPr>
-              <a:defRPr sz="2600"/>
-            </a:lvl1pPr>
-            <a:lvl2pPr>
-              <a:defRPr sz="2400"/>
-            </a:lvl2pPr>
-            <a:lvl3pPr>
-              <a:defRPr sz="2000"/>
-            </a:lvl3pPr>
-            <a:lvl4pPr>
-              <a:defRPr sz="1800"/>
-            </a:lvl4pPr>
-            <a:lvl5pPr>
-              <a:defRPr sz="1800"/>
-            </a:lvl5pPr>
-          </a:lstStyle>
-          <a:p>
-            <a:pPr lvl="0" eaLnBrk="1" latinLnBrk="0" hangingPunct="1"/>
+          <a:lstStyle/>
+          <a:p>
+            <a:pPr lvl="0"/>
             <a:r>
               <a:rPr lang="en-US"/>
               <a:t>Click to edit Master text styles</a:t>
             </a:r>
           </a:p>
           <a:p>
-            <a:pPr lvl="1" eaLnBrk="1" latinLnBrk="0" hangingPunct="1"/>
+            <a:pPr lvl="1"/>
             <a:r>
               <a:rPr lang="en-US"/>
               <a:t>Second level</a:t>
             </a:r>
           </a:p>
           <a:p>
-            <a:pPr lvl="2" eaLnBrk="1" latinLnBrk="0" hangingPunct="1"/>
+            <a:pPr lvl="2"/>
             <a:r>
               <a:rPr lang="en-US"/>
               <a:t>Third level</a:t>
             </a:r>
           </a:p>
           <a:p>
-            <a:pPr lvl="3" eaLnBrk="1" latinLnBrk="0" hangingPunct="1"/>
+            <a:pPr lvl="3"/>
             <a:r>
               <a:rPr lang="en-US"/>
               <a:t>Fourth level</a:t>
             </a:r>
           </a:p>
           <a:p>
-            <a:pPr lvl="4" eaLnBrk="1" latinLnBrk="0" hangingPunct="1"/>
+            <a:pPr lvl="4"/>
             <a:r>
               <a:rPr lang="en-US"/>
               <a:t>Fifth level</a:t>
             </a:r>
-            <a:endParaRPr kumimoji="0" lang="en-US"/>
-          </a:p>
-        </p:txBody>
-      </p:sp>
-      <p:sp>
-        <p:nvSpPr>
-          <p:cNvPr id="4" name="Content Placeholder 3"/>
-          <p:cNvSpPr>
-            <a:spLocks noGrp="1"/>
-          </p:cNvSpPr>
-          <p:nvPr>
-            <p:ph sz="half" idx="2"/>
-          </p:nvPr>
-        </p:nvSpPr>
-        <p:spPr>
-          <a:xfrm>
-            <a:off x="4648200" y="1920085"/>
-            <a:ext cx="4038600" cy="4434840"/>
-          </a:xfrm>
-        </p:spPr>
-        <p:txBody>
-          <a:bodyPr/>
-          <a:lstStyle>
-            <a:lvl1pPr>
-              <a:defRPr sz="2600"/>
-            </a:lvl1pPr>
-            <a:lvl2pPr>
-              <a:defRPr sz="2400"/>
-            </a:lvl2pPr>
-            <a:lvl3pPr>
-              <a:defRPr sz="2000"/>
-            </a:lvl3pPr>
-            <a:lvl4pPr>
-              <a:defRPr sz="1800"/>
-            </a:lvl4pPr>
-            <a:lvl5pPr>
-              <a:defRPr sz="1800"/>
-            </a:lvl5pPr>
-          </a:lstStyle>
-          <a:p>
-            <a:pPr lvl="0" eaLnBrk="1" latinLnBrk="0" hangingPunct="1"/>
-            <a:r>
-              <a:rPr lang="en-US"/>
-              <a:t>Click to edit Master text styles</a:t>
-            </a:r>
-          </a:p>
-          <a:p>
-            <a:pPr lvl="1" eaLnBrk="1" latinLnBrk="0" hangingPunct="1"/>
-            <a:r>
-              <a:rPr lang="en-US"/>
-              <a:t>Second level</a:t>
-            </a:r>
-          </a:p>
-          <a:p>
-            <a:pPr lvl="2" eaLnBrk="1" latinLnBrk="0" hangingPunct="1"/>
-            <a:r>
-              <a:rPr lang="en-US"/>
-              <a:t>Third level</a:t>
-            </a:r>
-          </a:p>
-          <a:p>
-            <a:pPr lvl="3" eaLnBrk="1" latinLnBrk="0" hangingPunct="1"/>
-            <a:r>
-              <a:rPr lang="en-US"/>
-              <a:t>Fourth level</a:t>
-            </a:r>
-          </a:p>
-          <a:p>
-            <a:pPr lvl="4" eaLnBrk="1" latinLnBrk="0" hangingPunct="1"/>
-            <a:r>
-              <a:rPr lang="en-US"/>
-              <a:t>Fifth level</a:t>
-            </a:r>
-            <a:endParaRPr kumimoji="0" lang="en-US"/>
-          </a:p>
-        </p:txBody>
-      </p:sp>
-      <p:sp>
-        <p:nvSpPr>
-          <p:cNvPr id="5" name="Date Placeholder 4"/>
+          </a:p>
+        </p:txBody>
+      </p:sp>
+      <p:sp>
+        <p:nvSpPr>
+          <p:cNvPr id="5" name="Date Placeholder 4">
+            <a:extLst>
+              <a:ext uri="{FF2B5EF4-FFF2-40B4-BE49-F238E27FC236}">
+                <a16:creationId xmlns:a16="http://schemas.microsoft.com/office/drawing/2014/main" id="{6556D785-3995-47C3-B709-8F4BBC7A7581}"/>
+              </a:ext>
+            </a:extLst>
+          </p:cNvPr>
           <p:cNvSpPr>
             <a:spLocks noGrp="1"/>
           </p:cNvSpPr>
@@ -4813,7 +4927,7 @@
           <a:p>
             <a:fld id="{16F61F0E-DEBF-4F66-A9DE-1873B56F167B}" type="datetime1">
               <a:rPr lang="en-US" smtClean="0"/>
-              <a:t>2/26/2023</a:t>
+              <a:t>4/22/2023</a:t>
             </a:fld>
             <a:endParaRPr lang="en-US"/>
           </a:p>
@@ -4821,7 +4935,13 @@
       </p:sp>
       <p:sp>
         <p:nvSpPr>
-          <p:cNvPr id="6" name="Footer Placeholder 5"/>
+          <p:cNvPr id="6" name="Footer Placeholder 5">
+            <a:extLst>
+              <a:ext uri="{FF2B5EF4-FFF2-40B4-BE49-F238E27FC236}">
+                <a16:creationId xmlns:a16="http://schemas.microsoft.com/office/drawing/2014/main" id="{24BC6081-CFC7-4C9C-83F5-9F287D1F33B6}"/>
+              </a:ext>
+            </a:extLst>
+          </p:cNvPr>
           <p:cNvSpPr>
             <a:spLocks noGrp="1"/>
           </p:cNvSpPr>
@@ -4840,7 +4960,13 @@
       </p:sp>
       <p:sp>
         <p:nvSpPr>
-          <p:cNvPr id="7" name="Slide Number Placeholder 6"/>
+          <p:cNvPr id="7" name="Slide Number Placeholder 6">
+            <a:extLst>
+              <a:ext uri="{FF2B5EF4-FFF2-40B4-BE49-F238E27FC236}">
+                <a16:creationId xmlns:a16="http://schemas.microsoft.com/office/drawing/2014/main" id="{2D085B29-3A60-45BA-B9E4-B50E2DB81647}"/>
+              </a:ext>
+            </a:extLst>
+          </p:cNvPr>
           <p:cNvSpPr>
             <a:spLocks noGrp="1"/>
           </p:cNvSpPr>
@@ -4863,6 +4989,11 @@
         </p:txBody>
       </p:sp>
     </p:spTree>
+    <p:extLst>
+      <p:ext uri="{BB962C8B-B14F-4D97-AF65-F5344CB8AC3E}">
+        <p14:creationId xmlns:p14="http://schemas.microsoft.com/office/powerpoint/2010/main" val="2296922092"/>
+      </p:ext>
+    </p:extLst>
   </p:cSld>
   <p:clrMapOvr>
     <a:masterClrMapping/>
@@ -4889,7 +5020,13 @@
       </p:grpSpPr>
       <p:sp>
         <p:nvSpPr>
-          <p:cNvPr id="2" name="Title 1"/>
+          <p:cNvPr id="2" name="Title 1">
+            <a:extLst>
+              <a:ext uri="{FF2B5EF4-FFF2-40B4-BE49-F238E27FC236}">
+                <a16:creationId xmlns:a16="http://schemas.microsoft.com/office/drawing/2014/main" id="{CF2E09FB-6759-4193-A372-34FDFEF94BC3}"/>
+              </a:ext>
+            </a:extLst>
+          </p:cNvPr>
           <p:cNvSpPr>
             <a:spLocks noGrp="1"/>
           </p:cNvSpPr>
@@ -4899,20 +5036,16 @@
         </p:nvSpPr>
         <p:spPr>
           <a:xfrm>
-            <a:off x="457200" y="704088"/>
-            <a:ext cx="8229600" cy="1143000"/>
+            <a:off x="629841" y="365126"/>
+            <a:ext cx="7886700" cy="1325563"/>
           </a:xfrm>
         </p:spPr>
         <p:txBody>
-          <a:bodyPr tIns="45720" anchor="b"/>
-          <a:lstStyle>
-            <a:lvl1pPr>
-              <a:defRPr/>
-            </a:lvl1pPr>
-          </a:lstStyle>
-          <a:p>
-            <a:r>
-              <a:rPr kumimoji="0" lang="en-US"/>
+          <a:bodyPr/>
+          <a:lstStyle/>
+          <a:p>
+            <a:r>
+              <a:rPr lang="en-US"/>
               <a:t>Click to edit Master title style</a:t>
             </a:r>
           </a:p>
@@ -4920,7 +5053,13 @@
       </p:sp>
       <p:sp>
         <p:nvSpPr>
-          <p:cNvPr id="3" name="Text Placeholder 2"/>
+          <p:cNvPr id="3" name="Text Placeholder 2">
+            <a:extLst>
+              <a:ext uri="{FF2B5EF4-FFF2-40B4-BE49-F238E27FC236}">
+                <a16:creationId xmlns:a16="http://schemas.microsoft.com/office/drawing/2014/main" id="{2366E926-EF04-40D1-820D-0E84DC2C9021}"/>
+              </a:ext>
+            </a:extLst>
+          </p:cNvPr>
           <p:cNvSpPr>
             <a:spLocks noGrp="1"/>
           </p:cNvSpPr>
@@ -4930,45 +5069,54 @@
         </p:nvSpPr>
         <p:spPr>
           <a:xfrm>
-            <a:off x="457200" y="1855248"/>
-            <a:ext cx="4040188" cy="659352"/>
+            <a:off x="629842" y="1681163"/>
+            <a:ext cx="3868340" cy="823912"/>
           </a:xfrm>
         </p:spPr>
         <p:txBody>
-          <a:bodyPr lIns="45720" tIns="0" rIns="45720" bIns="0" anchor="ctr">
-            <a:noAutofit/>
-          </a:bodyPr>
+          <a:bodyPr anchor="b"/>
           <a:lstStyle>
             <a:lvl1pPr marL="0" indent="0">
               <a:buNone/>
-              <a:defRPr sz="2400" b="1" cap="none" baseline="0">
-                <a:solidFill>
-                  <a:schemeClr val="tx2"/>
-                </a:solidFill>
-                <a:effectLst/>
-              </a:defRPr>
+              <a:defRPr sz="1800" b="1"/>
             </a:lvl1pPr>
-            <a:lvl2pPr>
+            <a:lvl2pPr marL="342900" indent="0">
               <a:buNone/>
-              <a:defRPr sz="2000" b="1"/>
+              <a:defRPr sz="1500" b="1"/>
             </a:lvl2pPr>
-            <a:lvl3pPr>
+            <a:lvl3pPr marL="685800" indent="0">
               <a:buNone/>
-              <a:defRPr sz="1800" b="1"/>
+              <a:defRPr sz="1350" b="1"/>
             </a:lvl3pPr>
-            <a:lvl4pPr>
+            <a:lvl4pPr marL="1028700" indent="0">
               <a:buNone/>
-              <a:defRPr sz="1600" b="1"/>
+              <a:defRPr sz="1200" b="1"/>
             </a:lvl4pPr>
-            <a:lvl5pPr>
+            <a:lvl5pPr marL="1371600" indent="0">
               <a:buNone/>
-              <a:defRPr sz="1600" b="1"/>
+              <a:defRPr sz="1200" b="1"/>
             </a:lvl5pPr>
+            <a:lvl6pPr marL="1714500" indent="0">
+              <a:buNone/>
+              <a:defRPr sz="1200" b="1"/>
+            </a:lvl6pPr>
+            <a:lvl7pPr marL="2057400" indent="0">
+              <a:buNone/>
+              <a:defRPr sz="1200" b="1"/>
+            </a:lvl7pPr>
+            <a:lvl8pPr marL="2400300" indent="0">
+              <a:buNone/>
+              <a:defRPr sz="1200" b="1"/>
+            </a:lvl8pPr>
+            <a:lvl9pPr marL="2743200" indent="0">
+              <a:buNone/>
+              <a:defRPr sz="1200" b="1"/>
+            </a:lvl9pPr>
           </a:lstStyle>
           <a:p>
-            <a:pPr lvl="0" eaLnBrk="1" latinLnBrk="0" hangingPunct="1"/>
-            <a:r>
-              <a:rPr kumimoji="0" lang="en-US"/>
+            <a:pPr lvl="0"/>
+            <a:r>
+              <a:rPr lang="en-US"/>
               <a:t>Click to edit Master text styles</a:t>
             </a:r>
           </a:p>
@@ -4976,53 +5124,132 @@
       </p:sp>
       <p:sp>
         <p:nvSpPr>
-          <p:cNvPr id="4" name="Text Placeholder 3"/>
-          <p:cNvSpPr>
-            <a:spLocks noGrp="1"/>
-          </p:cNvSpPr>
-          <p:nvPr>
-            <p:ph type="body" sz="half" idx="3"/>
+          <p:cNvPr id="4" name="Content Placeholder 3">
+            <a:extLst>
+              <a:ext uri="{FF2B5EF4-FFF2-40B4-BE49-F238E27FC236}">
+                <a16:creationId xmlns:a16="http://schemas.microsoft.com/office/drawing/2014/main" id="{803AEE84-E7D4-4B4F-8AB2-7449A1825F3B}"/>
+              </a:ext>
+            </a:extLst>
+          </p:cNvPr>
+          <p:cNvSpPr>
+            <a:spLocks noGrp="1"/>
+          </p:cNvSpPr>
+          <p:nvPr>
+            <p:ph sz="half" idx="2"/>
           </p:nvPr>
         </p:nvSpPr>
         <p:spPr>
           <a:xfrm>
-            <a:off x="4645025" y="1859757"/>
-            <a:ext cx="4041775" cy="654843"/>
+            <a:off x="629842" y="2505075"/>
+            <a:ext cx="3868340" cy="3684588"/>
           </a:xfrm>
         </p:spPr>
         <p:txBody>
-          <a:bodyPr lIns="45720" tIns="0" rIns="45720" bIns="0" anchor="ctr"/>
+          <a:bodyPr/>
+          <a:lstStyle/>
+          <a:p>
+            <a:pPr lvl="0"/>
+            <a:r>
+              <a:rPr lang="en-US"/>
+              <a:t>Click to edit Master text styles</a:t>
+            </a:r>
+          </a:p>
+          <a:p>
+            <a:pPr lvl="1"/>
+            <a:r>
+              <a:rPr lang="en-US"/>
+              <a:t>Second level</a:t>
+            </a:r>
+          </a:p>
+          <a:p>
+            <a:pPr lvl="2"/>
+            <a:r>
+              <a:rPr lang="en-US"/>
+              <a:t>Third level</a:t>
+            </a:r>
+          </a:p>
+          <a:p>
+            <a:pPr lvl="3"/>
+            <a:r>
+              <a:rPr lang="en-US"/>
+              <a:t>Fourth level</a:t>
+            </a:r>
+          </a:p>
+          <a:p>
+            <a:pPr lvl="4"/>
+            <a:r>
+              <a:rPr lang="en-US"/>
+              <a:t>Fifth level</a:t>
+            </a:r>
+          </a:p>
+        </p:txBody>
+      </p:sp>
+      <p:sp>
+        <p:nvSpPr>
+          <p:cNvPr id="5" name="Text Placeholder 4">
+            <a:extLst>
+              <a:ext uri="{FF2B5EF4-FFF2-40B4-BE49-F238E27FC236}">
+                <a16:creationId xmlns:a16="http://schemas.microsoft.com/office/drawing/2014/main" id="{53EA2A0B-9678-4B43-8029-0D774CA8A6AC}"/>
+              </a:ext>
+            </a:extLst>
+          </p:cNvPr>
+          <p:cNvSpPr>
+            <a:spLocks noGrp="1"/>
+          </p:cNvSpPr>
+          <p:nvPr>
+            <p:ph type="body" sz="quarter" idx="3"/>
+          </p:nvPr>
+        </p:nvSpPr>
+        <p:spPr>
+          <a:xfrm>
+            <a:off x="4629150" y="1681163"/>
+            <a:ext cx="3887391" cy="823912"/>
+          </a:xfrm>
+        </p:spPr>
+        <p:txBody>
+          <a:bodyPr anchor="b"/>
           <a:lstStyle>
             <a:lvl1pPr marL="0" indent="0">
               <a:buNone/>
-              <a:defRPr sz="2400" b="1" cap="none" baseline="0">
-                <a:solidFill>
-                  <a:schemeClr val="tx2"/>
-                </a:solidFill>
-                <a:effectLst/>
-              </a:defRPr>
+              <a:defRPr sz="1800" b="1"/>
             </a:lvl1pPr>
-            <a:lvl2pPr>
+            <a:lvl2pPr marL="342900" indent="0">
               <a:buNone/>
-              <a:defRPr sz="2000" b="1"/>
+              <a:defRPr sz="1500" b="1"/>
             </a:lvl2pPr>
-            <a:lvl3pPr>
+            <a:lvl3pPr marL="685800" indent="0">
               <a:buNone/>
-              <a:defRPr sz="1800" b="1"/>
+              <a:defRPr sz="1350" b="1"/>
             </a:lvl3pPr>
-            <a:lvl4pPr>
+            <a:lvl4pPr marL="1028700" indent="0">
               <a:buNone/>
-              <a:defRPr sz="1600" b="1"/>
+              <a:defRPr sz="1200" b="1"/>
             </a:lvl4pPr>
-            <a:lvl5pPr>
+            <a:lvl5pPr marL="1371600" indent="0">
               <a:buNone/>
-              <a:defRPr sz="1600" b="1"/>
+              <a:defRPr sz="1200" b="1"/>
             </a:lvl5pPr>
+            <a:lvl6pPr marL="1714500" indent="0">
+              <a:buNone/>
+              <a:defRPr sz="1200" b="1"/>
+            </a:lvl6pPr>
+            <a:lvl7pPr marL="2057400" indent="0">
+              <a:buNone/>
+              <a:defRPr sz="1200" b="1"/>
+            </a:lvl7pPr>
+            <a:lvl8pPr marL="2400300" indent="0">
+              <a:buNone/>
+              <a:defRPr sz="1200" b="1"/>
+            </a:lvl8pPr>
+            <a:lvl9pPr marL="2743200" indent="0">
+              <a:buNone/>
+              <a:defRPr sz="1200" b="1"/>
+            </a:lvl9pPr>
           </a:lstStyle>
           <a:p>
-            <a:pPr lvl="0" eaLnBrk="1" latinLnBrk="0" hangingPunct="1"/>
-            <a:r>
-              <a:rPr kumimoji="0" lang="en-US"/>
+            <a:pPr lvl="0"/>
+            <a:r>
+              <a:rPr lang="en-US"/>
               <a:t>Click to edit Master text styles</a:t>
             </a:r>
           </a:p>
@@ -5030,153 +5257,75 @@
       </p:sp>
       <p:sp>
         <p:nvSpPr>
-          <p:cNvPr id="5" name="Content Placeholder 4"/>
-          <p:cNvSpPr>
-            <a:spLocks noGrp="1"/>
-          </p:cNvSpPr>
-          <p:nvPr>
-            <p:ph sz="quarter" idx="2"/>
+          <p:cNvPr id="6" name="Content Placeholder 5">
+            <a:extLst>
+              <a:ext uri="{FF2B5EF4-FFF2-40B4-BE49-F238E27FC236}">
+                <a16:creationId xmlns:a16="http://schemas.microsoft.com/office/drawing/2014/main" id="{F03B5EAF-2DFB-4C1A-9C90-08C453CD1AF2}"/>
+              </a:ext>
+            </a:extLst>
+          </p:cNvPr>
+          <p:cNvSpPr>
+            <a:spLocks noGrp="1"/>
+          </p:cNvSpPr>
+          <p:nvPr>
+            <p:ph sz="quarter" idx="4"/>
           </p:nvPr>
         </p:nvSpPr>
         <p:spPr>
           <a:xfrm>
-            <a:off x="457200" y="2514600"/>
-            <a:ext cx="4040188" cy="3845720"/>
+            <a:off x="4629150" y="2505075"/>
+            <a:ext cx="3887391" cy="3684588"/>
           </a:xfrm>
         </p:spPr>
         <p:txBody>
-          <a:bodyPr tIns="0"/>
-          <a:lstStyle>
-            <a:lvl1pPr>
-              <a:defRPr sz="2200"/>
-            </a:lvl1pPr>
-            <a:lvl2pPr>
-              <a:defRPr sz="2000"/>
-            </a:lvl2pPr>
-            <a:lvl3pPr>
-              <a:defRPr sz="1800"/>
-            </a:lvl3pPr>
-            <a:lvl4pPr>
-              <a:defRPr sz="1600"/>
-            </a:lvl4pPr>
-            <a:lvl5pPr>
-              <a:defRPr sz="1600"/>
-            </a:lvl5pPr>
-          </a:lstStyle>
-          <a:p>
-            <a:pPr lvl="0" eaLnBrk="1" latinLnBrk="0" hangingPunct="1"/>
+          <a:bodyPr/>
+          <a:lstStyle/>
+          <a:p>
+            <a:pPr lvl="0"/>
             <a:r>
               <a:rPr lang="en-US"/>
               <a:t>Click to edit Master text styles</a:t>
             </a:r>
           </a:p>
           <a:p>
-            <a:pPr lvl="1" eaLnBrk="1" latinLnBrk="0" hangingPunct="1"/>
+            <a:pPr lvl="1"/>
             <a:r>
               <a:rPr lang="en-US"/>
               <a:t>Second level</a:t>
             </a:r>
           </a:p>
           <a:p>
-            <a:pPr lvl="2" eaLnBrk="1" latinLnBrk="0" hangingPunct="1"/>
+            <a:pPr lvl="2"/>
             <a:r>
               <a:rPr lang="en-US"/>
               <a:t>Third level</a:t>
             </a:r>
           </a:p>
           <a:p>
-            <a:pPr lvl="3" eaLnBrk="1" latinLnBrk="0" hangingPunct="1"/>
+            <a:pPr lvl="3"/>
             <a:r>
               <a:rPr lang="en-US"/>
               <a:t>Fourth level</a:t>
             </a:r>
           </a:p>
           <a:p>
-            <a:pPr lvl="4" eaLnBrk="1" latinLnBrk="0" hangingPunct="1"/>
+            <a:pPr lvl="4"/>
             <a:r>
               <a:rPr lang="en-US"/>
               <a:t>Fifth level</a:t>
             </a:r>
-            <a:endParaRPr kumimoji="0" lang="en-US"/>
-          </a:p>
-        </p:txBody>
-      </p:sp>
-      <p:sp>
-        <p:nvSpPr>
-          <p:cNvPr id="6" name="Content Placeholder 5"/>
-          <p:cNvSpPr>
-            <a:spLocks noGrp="1"/>
-          </p:cNvSpPr>
-          <p:nvPr>
-            <p:ph sz="quarter" idx="4"/>
-          </p:nvPr>
-        </p:nvSpPr>
-        <p:spPr>
-          <a:xfrm>
-            <a:off x="4645025" y="2514600"/>
-            <a:ext cx="4041775" cy="3845720"/>
-          </a:xfrm>
-        </p:spPr>
-        <p:txBody>
-          <a:bodyPr tIns="0"/>
-          <a:lstStyle>
-            <a:lvl1pPr>
-              <a:defRPr sz="2200"/>
-            </a:lvl1pPr>
-            <a:lvl2pPr>
-              <a:defRPr sz="2000"/>
-            </a:lvl2pPr>
-            <a:lvl3pPr>
-              <a:defRPr sz="1800"/>
-            </a:lvl3pPr>
-            <a:lvl4pPr>
-              <a:defRPr sz="1600"/>
-            </a:lvl4pPr>
-            <a:lvl5pPr>
-              <a:defRPr sz="1600"/>
-            </a:lvl5pPr>
-          </a:lstStyle>
-          <a:p>
-            <a:pPr lvl="0" eaLnBrk="1" latinLnBrk="0" hangingPunct="1"/>
-            <a:r>
-              <a:rPr lang="en-US"/>
-              <a:t>Click to edit Master text styles</a:t>
-            </a:r>
-          </a:p>
-          <a:p>
-            <a:pPr lvl="1" eaLnBrk="1" latinLnBrk="0" hangingPunct="1"/>
-            <a:r>
-              <a:rPr lang="en-US"/>
-              <a:t>Second level</a:t>
-            </a:r>
-          </a:p>
-          <a:p>
-            <a:pPr lvl="2" eaLnBrk="1" latinLnBrk="0" hangingPunct="1"/>
-            <a:r>
-              <a:rPr lang="en-US"/>
-              <a:t>Third level</a:t>
-            </a:r>
-          </a:p>
-          <a:p>
-            <a:pPr lvl="3" eaLnBrk="1" latinLnBrk="0" hangingPunct="1"/>
-            <a:r>
-              <a:rPr lang="en-US"/>
-              <a:t>Fourth level</a:t>
-            </a:r>
-          </a:p>
-          <a:p>
-            <a:pPr lvl="4" eaLnBrk="1" latinLnBrk="0" hangingPunct="1"/>
-            <a:r>
-              <a:rPr lang="en-US"/>
-              <a:t>Fifth level</a:t>
-            </a:r>
-            <a:endParaRPr kumimoji="0" lang="en-US"/>
-          </a:p>
-        </p:txBody>
-      </p:sp>
-      <p:sp>
-        <p:nvSpPr>
-          <p:cNvPr id="7" name="Date Placeholder 6"/>
+          </a:p>
+        </p:txBody>
+      </p:sp>
+      <p:sp>
+        <p:nvSpPr>
+          <p:cNvPr id="7" name="Date Placeholder 6">
+            <a:extLst>
+              <a:ext uri="{FF2B5EF4-FFF2-40B4-BE49-F238E27FC236}">
+                <a16:creationId xmlns:a16="http://schemas.microsoft.com/office/drawing/2014/main" id="{AF2A1443-33A6-4B2D-A21C-6099C1DDE81E}"/>
+              </a:ext>
+            </a:extLst>
+          </p:cNvPr>
           <p:cNvSpPr>
             <a:spLocks noGrp="1"/>
           </p:cNvSpPr>
@@ -5191,7 +5340,7 @@
           <a:p>
             <a:fld id="{2817BF8A-8F7E-4EC6-B308-EDB6984C2528}" type="datetime1">
               <a:rPr lang="en-US" smtClean="0"/>
-              <a:t>2/26/2023</a:t>
+              <a:t>4/22/2023</a:t>
             </a:fld>
             <a:endParaRPr lang="en-US"/>
           </a:p>
@@ -5199,7 +5348,13 @@
       </p:sp>
       <p:sp>
         <p:nvSpPr>
-          <p:cNvPr id="8" name="Footer Placeholder 7"/>
+          <p:cNvPr id="8" name="Footer Placeholder 7">
+            <a:extLst>
+              <a:ext uri="{FF2B5EF4-FFF2-40B4-BE49-F238E27FC236}">
+                <a16:creationId xmlns:a16="http://schemas.microsoft.com/office/drawing/2014/main" id="{B0085DA9-A340-4A76-95A7-E75F8A202FF2}"/>
+              </a:ext>
+            </a:extLst>
+          </p:cNvPr>
           <p:cNvSpPr>
             <a:spLocks noGrp="1"/>
           </p:cNvSpPr>
@@ -5218,7 +5373,13 @@
       </p:sp>
       <p:sp>
         <p:nvSpPr>
-          <p:cNvPr id="9" name="Slide Number Placeholder 8"/>
+          <p:cNvPr id="9" name="Slide Number Placeholder 8">
+            <a:extLst>
+              <a:ext uri="{FF2B5EF4-FFF2-40B4-BE49-F238E27FC236}">
+                <a16:creationId xmlns:a16="http://schemas.microsoft.com/office/drawing/2014/main" id="{902EBA09-3F74-46D8-A10E-DC81338CAAAB}"/>
+              </a:ext>
+            </a:extLst>
+          </p:cNvPr>
           <p:cNvSpPr>
             <a:spLocks noGrp="1"/>
           </p:cNvSpPr>
@@ -5241,6 +5402,11 @@
         </p:txBody>
       </p:sp>
     </p:spTree>
+    <p:extLst>
+      <p:ext uri="{BB962C8B-B14F-4D97-AF65-F5344CB8AC3E}">
+        <p14:creationId xmlns:p14="http://schemas.microsoft.com/office/powerpoint/2010/main" val="1078734988"/>
+      </p:ext>
+    </p:extLst>
   </p:cSld>
   <p:clrMapOvr>
     <a:masterClrMapping/>
@@ -5267,7 +5433,13 @@
       </p:grpSpPr>
       <p:sp>
         <p:nvSpPr>
-          <p:cNvPr id="2" name="Title 1"/>
+          <p:cNvPr id="2" name="Title 1">
+            <a:extLst>
+              <a:ext uri="{FF2B5EF4-FFF2-40B4-BE49-F238E27FC236}">
+                <a16:creationId xmlns:a16="http://schemas.microsoft.com/office/drawing/2014/main" id="{DF871AB0-1C9F-4867-BFD2-4FBAF6F75EF2}"/>
+              </a:ext>
+            </a:extLst>
+          </p:cNvPr>
           <p:cNvSpPr>
             <a:spLocks noGrp="1"/>
           </p:cNvSpPr>
@@ -5275,50 +5447,13 @@
             <p:ph type="title"/>
           </p:nvPr>
         </p:nvSpPr>
-        <p:spPr>
-          <a:xfrm>
-            <a:off x="457200" y="704088"/>
-            <a:ext cx="8305800" cy="1143000"/>
-          </a:xfrm>
-        </p:spPr>
-        <p:txBody>
-          <a:bodyPr vert="horz" tIns="45720" bIns="0" anchor="b">
-            <a:normAutofit/>
-            <a:scene3d>
-              <a:camera prst="orthographicFront"/>
-              <a:lightRig rig="freezing" dir="t">
-                <a:rot lat="0" lon="0" rev="5640000"/>
-              </a:lightRig>
-            </a:scene3d>
-            <a:sp3d prstMaterial="flat">
-              <a:contourClr>
-                <a:schemeClr val="tx2"/>
-              </a:contourClr>
-            </a:sp3d>
-          </a:bodyPr>
-          <a:lstStyle>
-            <a:lvl1pPr algn="l" rtl="0">
-              <a:spcBef>
-                <a:spcPct val="0"/>
-              </a:spcBef>
-              <a:buNone/>
-              <a:defRPr sz="5000" b="0">
-                <a:ln>
-                  <a:noFill/>
-                </a:ln>
-                <a:solidFill>
-                  <a:schemeClr val="tx2"/>
-                </a:solidFill>
-                <a:effectLst/>
-                <a:latin typeface="+mj-lt"/>
-                <a:ea typeface="+mj-ea"/>
-                <a:cs typeface="+mj-cs"/>
-              </a:defRPr>
-            </a:lvl1pPr>
-          </a:lstStyle>
-          <a:p>
-            <a:r>
-              <a:rPr kumimoji="0" lang="en-US"/>
+        <p:spPr/>
+        <p:txBody>
+          <a:bodyPr/>
+          <a:lstStyle/>
+          <a:p>
+            <a:r>
+              <a:rPr lang="en-US"/>
               <a:t>Click to edit Master title style</a:t>
             </a:r>
           </a:p>
@@ -5326,7 +5461,13 @@
       </p:sp>
       <p:sp>
         <p:nvSpPr>
-          <p:cNvPr id="3" name="Date Placeholder 2"/>
+          <p:cNvPr id="3" name="Date Placeholder 2">
+            <a:extLst>
+              <a:ext uri="{FF2B5EF4-FFF2-40B4-BE49-F238E27FC236}">
+                <a16:creationId xmlns:a16="http://schemas.microsoft.com/office/drawing/2014/main" id="{CC157F26-F294-43FA-9644-9263AA9FA398}"/>
+              </a:ext>
+            </a:extLst>
+          </p:cNvPr>
           <p:cNvSpPr>
             <a:spLocks noGrp="1"/>
           </p:cNvSpPr>
@@ -5341,7 +5482,7 @@
           <a:p>
             <a:fld id="{A440DA1D-1161-492A-9E2F-8545E11465CE}" type="datetime1">
               <a:rPr lang="en-US" smtClean="0"/>
-              <a:t>2/26/2023</a:t>
+              <a:t>4/22/2023</a:t>
             </a:fld>
             <a:endParaRPr lang="en-US"/>
           </a:p>
@@ -5349,7 +5490,13 @@
       </p:sp>
       <p:sp>
         <p:nvSpPr>
-          <p:cNvPr id="4" name="Footer Placeholder 3"/>
+          <p:cNvPr id="4" name="Footer Placeholder 3">
+            <a:extLst>
+              <a:ext uri="{FF2B5EF4-FFF2-40B4-BE49-F238E27FC236}">
+                <a16:creationId xmlns:a16="http://schemas.microsoft.com/office/drawing/2014/main" id="{C5C82F35-66EB-4F11-9E45-5E961A8EB035}"/>
+              </a:ext>
+            </a:extLst>
+          </p:cNvPr>
           <p:cNvSpPr>
             <a:spLocks noGrp="1"/>
           </p:cNvSpPr>
@@ -5368,7 +5515,13 @@
       </p:sp>
       <p:sp>
         <p:nvSpPr>
-          <p:cNvPr id="5" name="Slide Number Placeholder 4"/>
+          <p:cNvPr id="5" name="Slide Number Placeholder 4">
+            <a:extLst>
+              <a:ext uri="{FF2B5EF4-FFF2-40B4-BE49-F238E27FC236}">
+                <a16:creationId xmlns:a16="http://schemas.microsoft.com/office/drawing/2014/main" id="{25B88A10-F0BB-4767-AA3F-9213D03F18E2}"/>
+              </a:ext>
+            </a:extLst>
+          </p:cNvPr>
           <p:cNvSpPr>
             <a:spLocks noGrp="1"/>
           </p:cNvSpPr>
@@ -5391,6 +5544,11 @@
         </p:txBody>
       </p:sp>
     </p:spTree>
+    <p:extLst>
+      <p:ext uri="{BB962C8B-B14F-4D97-AF65-F5344CB8AC3E}">
+        <p14:creationId xmlns:p14="http://schemas.microsoft.com/office/powerpoint/2010/main" val="2501504661"/>
+      </p:ext>
+    </p:extLst>
   </p:cSld>
   <p:clrMapOvr>
     <a:masterClrMapping/>
@@ -5417,7 +5575,13 @@
       </p:grpSpPr>
       <p:sp>
         <p:nvSpPr>
-          <p:cNvPr id="2" name="Date Placeholder 1"/>
+          <p:cNvPr id="2" name="Date Placeholder 1">
+            <a:extLst>
+              <a:ext uri="{FF2B5EF4-FFF2-40B4-BE49-F238E27FC236}">
+                <a16:creationId xmlns:a16="http://schemas.microsoft.com/office/drawing/2014/main" id="{8D793F30-3552-4985-A605-DE5EE1841AF4}"/>
+              </a:ext>
+            </a:extLst>
+          </p:cNvPr>
           <p:cNvSpPr>
             <a:spLocks noGrp="1"/>
           </p:cNvSpPr>
@@ -5432,7 +5596,7 @@
           <a:p>
             <a:fld id="{C44E7567-B34A-4581-A876-D00786D66CC2}" type="datetime1">
               <a:rPr lang="en-US" smtClean="0"/>
-              <a:t>2/26/2023</a:t>
+              <a:t>4/22/2023</a:t>
             </a:fld>
             <a:endParaRPr lang="en-US"/>
           </a:p>
@@ -5440,7 +5604,13 @@
       </p:sp>
       <p:sp>
         <p:nvSpPr>
-          <p:cNvPr id="3" name="Footer Placeholder 2"/>
+          <p:cNvPr id="3" name="Footer Placeholder 2">
+            <a:extLst>
+              <a:ext uri="{FF2B5EF4-FFF2-40B4-BE49-F238E27FC236}">
+                <a16:creationId xmlns:a16="http://schemas.microsoft.com/office/drawing/2014/main" id="{F11BF8A3-9039-4EF7-8512-625275F3C727}"/>
+              </a:ext>
+            </a:extLst>
+          </p:cNvPr>
           <p:cNvSpPr>
             <a:spLocks noGrp="1"/>
           </p:cNvSpPr>
@@ -5459,7 +5629,13 @@
       </p:sp>
       <p:sp>
         <p:nvSpPr>
-          <p:cNvPr id="4" name="Slide Number Placeholder 3"/>
+          <p:cNvPr id="4" name="Slide Number Placeholder 3">
+            <a:extLst>
+              <a:ext uri="{FF2B5EF4-FFF2-40B4-BE49-F238E27FC236}">
+                <a16:creationId xmlns:a16="http://schemas.microsoft.com/office/drawing/2014/main" id="{B252B521-9BC0-47B3-8559-59A39680F8F9}"/>
+              </a:ext>
+            </a:extLst>
+          </p:cNvPr>
           <p:cNvSpPr>
             <a:spLocks noGrp="1"/>
           </p:cNvSpPr>
@@ -5482,6 +5658,11 @@
         </p:txBody>
       </p:sp>
     </p:spTree>
+    <p:extLst>
+      <p:ext uri="{BB962C8B-B14F-4D97-AF65-F5344CB8AC3E}">
+        <p14:creationId xmlns:p14="http://schemas.microsoft.com/office/powerpoint/2010/main" val="107647259"/>
+      </p:ext>
+    </p:extLst>
   </p:cSld>
   <p:clrMapOvr>
     <a:masterClrMapping/>
@@ -5508,7 +5689,13 @@
       </p:grpSpPr>
       <p:sp>
         <p:nvSpPr>
-          <p:cNvPr id="2" name="Title 1"/>
+          <p:cNvPr id="2" name="Title 1">
+            <a:extLst>
+              <a:ext uri="{FF2B5EF4-FFF2-40B4-BE49-F238E27FC236}">
+                <a16:creationId xmlns:a16="http://schemas.microsoft.com/office/drawing/2014/main" id="{D6C77AB8-2926-40CC-A5A4-C67A34291174}"/>
+              </a:ext>
+            </a:extLst>
+          </p:cNvPr>
           <p:cNvSpPr>
             <a:spLocks noGrp="1"/>
           </p:cNvSpPr>
@@ -5518,37 +5705,20 @@
         </p:nvSpPr>
         <p:spPr>
           <a:xfrm>
-            <a:off x="685800" y="514352"/>
-            <a:ext cx="2743200" cy="1162050"/>
+            <a:off x="629841" y="457200"/>
+            <a:ext cx="2949178" cy="1600200"/>
           </a:xfrm>
         </p:spPr>
         <p:txBody>
-          <a:bodyPr lIns="0" anchor="b">
-            <a:noAutofit/>
-          </a:bodyPr>
+          <a:bodyPr anchor="b"/>
           <a:lstStyle>
-            <a:lvl1pPr algn="l" rtl="0">
-              <a:spcBef>
-                <a:spcPct val="0"/>
-              </a:spcBef>
-              <a:buNone/>
-              <a:defRPr sz="2600" b="0">
-                <a:ln>
-                  <a:noFill/>
-                </a:ln>
-                <a:solidFill>
-                  <a:schemeClr val="tx2"/>
-                </a:solidFill>
-                <a:effectLst/>
-                <a:latin typeface="+mj-lt"/>
-                <a:ea typeface="+mj-ea"/>
-                <a:cs typeface="+mj-cs"/>
-              </a:defRPr>
+            <a:lvl1pPr>
+              <a:defRPr sz="2400"/>
             </a:lvl1pPr>
           </a:lstStyle>
           <a:p>
             <a:r>
-              <a:rPr kumimoji="0" lang="en-US"/>
+              <a:rPr lang="en-US"/>
               <a:t>Click to edit Master title style</a:t>
             </a:r>
           </a:p>
@@ -5556,129 +5726,174 @@
       </p:sp>
       <p:sp>
         <p:nvSpPr>
-          <p:cNvPr id="3" name="Text Placeholder 2"/>
-          <p:cNvSpPr>
-            <a:spLocks noGrp="1"/>
-          </p:cNvSpPr>
-          <p:nvPr>
-            <p:ph type="body" idx="2"/>
+          <p:cNvPr id="3" name="Content Placeholder 2">
+            <a:extLst>
+              <a:ext uri="{FF2B5EF4-FFF2-40B4-BE49-F238E27FC236}">
+                <a16:creationId xmlns:a16="http://schemas.microsoft.com/office/drawing/2014/main" id="{036395B1-EAB2-419B-BAA5-A4EC84C98A00}"/>
+              </a:ext>
+            </a:extLst>
+          </p:cNvPr>
+          <p:cNvSpPr>
+            <a:spLocks noGrp="1"/>
+          </p:cNvSpPr>
+          <p:nvPr>
+            <p:ph idx="1"/>
           </p:nvPr>
         </p:nvSpPr>
         <p:spPr>
           <a:xfrm>
-            <a:off x="685800" y="1676400"/>
-            <a:ext cx="2743200" cy="4572000"/>
+            <a:off x="3887391" y="987426"/>
+            <a:ext cx="4629150" cy="4873625"/>
           </a:xfrm>
         </p:spPr>
         <p:txBody>
-          <a:bodyPr lIns="18288" rIns="18288"/>
+          <a:bodyPr/>
           <a:lstStyle>
-            <a:lvl1pPr marL="0" indent="0" algn="l">
-              <a:buNone/>
-              <a:defRPr sz="1400"/>
+            <a:lvl1pPr>
+              <a:defRPr sz="2400"/>
             </a:lvl1pPr>
-            <a:lvl2pPr indent="0" algn="l">
+            <a:lvl2pPr>
+              <a:defRPr sz="2100"/>
+            </a:lvl2pPr>
+            <a:lvl3pPr>
+              <a:defRPr sz="1800"/>
+            </a:lvl3pPr>
+            <a:lvl4pPr>
+              <a:defRPr sz="1500"/>
+            </a:lvl4pPr>
+            <a:lvl5pPr>
+              <a:defRPr sz="1500"/>
+            </a:lvl5pPr>
+            <a:lvl6pPr>
+              <a:defRPr sz="1500"/>
+            </a:lvl6pPr>
+            <a:lvl7pPr>
+              <a:defRPr sz="1500"/>
+            </a:lvl7pPr>
+            <a:lvl8pPr>
+              <a:defRPr sz="1500"/>
+            </a:lvl8pPr>
+            <a:lvl9pPr>
+              <a:defRPr sz="1500"/>
+            </a:lvl9pPr>
+          </a:lstStyle>
+          <a:p>
+            <a:pPr lvl="0"/>
+            <a:r>
+              <a:rPr lang="en-US"/>
+              <a:t>Click to edit Master text styles</a:t>
+            </a:r>
+          </a:p>
+          <a:p>
+            <a:pPr lvl="1"/>
+            <a:r>
+              <a:rPr lang="en-US"/>
+              <a:t>Second level</a:t>
+            </a:r>
+          </a:p>
+          <a:p>
+            <a:pPr lvl="2"/>
+            <a:r>
+              <a:rPr lang="en-US"/>
+              <a:t>Third level</a:t>
+            </a:r>
+          </a:p>
+          <a:p>
+            <a:pPr lvl="3"/>
+            <a:r>
+              <a:rPr lang="en-US"/>
+              <a:t>Fourth level</a:t>
+            </a:r>
+          </a:p>
+          <a:p>
+            <a:pPr lvl="4"/>
+            <a:r>
+              <a:rPr lang="en-US"/>
+              <a:t>Fifth level</a:t>
+            </a:r>
+          </a:p>
+        </p:txBody>
+      </p:sp>
+      <p:sp>
+        <p:nvSpPr>
+          <p:cNvPr id="4" name="Text Placeholder 3">
+            <a:extLst>
+              <a:ext uri="{FF2B5EF4-FFF2-40B4-BE49-F238E27FC236}">
+                <a16:creationId xmlns:a16="http://schemas.microsoft.com/office/drawing/2014/main" id="{6E2E5FEF-0756-4440-8850-FADA15AFEEE6}"/>
+              </a:ext>
+            </a:extLst>
+          </p:cNvPr>
+          <p:cNvSpPr>
+            <a:spLocks noGrp="1"/>
+          </p:cNvSpPr>
+          <p:nvPr>
+            <p:ph type="body" sz="half" idx="2"/>
+          </p:nvPr>
+        </p:nvSpPr>
+        <p:spPr>
+          <a:xfrm>
+            <a:off x="629841" y="2057400"/>
+            <a:ext cx="2949178" cy="3811588"/>
+          </a:xfrm>
+        </p:spPr>
+        <p:txBody>
+          <a:bodyPr/>
+          <a:lstStyle>
+            <a:lvl1pPr marL="0" indent="0">
               <a:buNone/>
               <a:defRPr sz="1200"/>
+            </a:lvl1pPr>
+            <a:lvl2pPr marL="342900" indent="0">
+              <a:buNone/>
+              <a:defRPr sz="1050"/>
             </a:lvl2pPr>
-            <a:lvl3pPr indent="0" algn="l">
-              <a:buNone/>
-              <a:defRPr sz="1000"/>
-            </a:lvl3pPr>
-            <a:lvl4pPr indent="0" algn="l">
+            <a:lvl3pPr marL="685800" indent="0">
               <a:buNone/>
               <a:defRPr sz="900"/>
+            </a:lvl3pPr>
+            <a:lvl4pPr marL="1028700" indent="0">
+              <a:buNone/>
+              <a:defRPr sz="750"/>
             </a:lvl4pPr>
-            <a:lvl5pPr indent="0" algn="l">
+            <a:lvl5pPr marL="1371600" indent="0">
               <a:buNone/>
-              <a:defRPr sz="900"/>
+              <a:defRPr sz="750"/>
             </a:lvl5pPr>
+            <a:lvl6pPr marL="1714500" indent="0">
+              <a:buNone/>
+              <a:defRPr sz="750"/>
+            </a:lvl6pPr>
+            <a:lvl7pPr marL="2057400" indent="0">
+              <a:buNone/>
+              <a:defRPr sz="750"/>
+            </a:lvl7pPr>
+            <a:lvl8pPr marL="2400300" indent="0">
+              <a:buNone/>
+              <a:defRPr sz="750"/>
+            </a:lvl8pPr>
+            <a:lvl9pPr marL="2743200" indent="0">
+              <a:buNone/>
+              <a:defRPr sz="750"/>
+            </a:lvl9pPr>
           </a:lstStyle>
           <a:p>
-            <a:pPr lvl="0" eaLnBrk="1" latinLnBrk="0" hangingPunct="1"/>
-            <a:r>
-              <a:rPr kumimoji="0" lang="en-US"/>
-              <a:t>Click to edit Master text styles</a:t>
-            </a:r>
-          </a:p>
-        </p:txBody>
-      </p:sp>
-      <p:sp>
-        <p:nvSpPr>
-          <p:cNvPr id="4" name="Content Placeholder 3"/>
-          <p:cNvSpPr>
-            <a:spLocks noGrp="1"/>
-          </p:cNvSpPr>
-          <p:nvPr>
-            <p:ph sz="half" idx="1"/>
-          </p:nvPr>
-        </p:nvSpPr>
-        <p:spPr>
-          <a:xfrm>
-            <a:off x="3575050" y="1676400"/>
-            <a:ext cx="5111750" cy="4572000"/>
-          </a:xfrm>
-        </p:spPr>
-        <p:txBody>
-          <a:bodyPr tIns="0"/>
-          <a:lstStyle>
-            <a:lvl1pPr>
-              <a:defRPr sz="2800"/>
-            </a:lvl1pPr>
-            <a:lvl2pPr>
-              <a:defRPr sz="2600"/>
-            </a:lvl2pPr>
-            <a:lvl3pPr>
-              <a:defRPr sz="2400"/>
-            </a:lvl3pPr>
-            <a:lvl4pPr>
-              <a:defRPr sz="2000"/>
-            </a:lvl4pPr>
-            <a:lvl5pPr>
-              <a:defRPr sz="1800"/>
-            </a:lvl5pPr>
-          </a:lstStyle>
-          <a:p>
-            <a:pPr lvl="0" eaLnBrk="1" latinLnBrk="0" hangingPunct="1"/>
+            <a:pPr lvl="0"/>
             <a:r>
               <a:rPr lang="en-US"/>
               <a:t>Click to edit Master text styles</a:t>
             </a:r>
           </a:p>
-          <a:p>
-            <a:pPr lvl="1" eaLnBrk="1" latinLnBrk="0" hangingPunct="1"/>
-            <a:r>
-              <a:rPr lang="en-US"/>
-              <a:t>Second level</a:t>
-            </a:r>
-          </a:p>
-          <a:p>
-            <a:pPr lvl="2" eaLnBrk="1" latinLnBrk="0" hangingPunct="1"/>
-            <a:r>
-              <a:rPr lang="en-US"/>
-              <a:t>Third level</a:t>
-            </a:r>
-          </a:p>
-          <a:p>
-            <a:pPr lvl="3" eaLnBrk="1" latinLnBrk="0" hangingPunct="1"/>
-            <a:r>
-              <a:rPr lang="en-US"/>
-              <a:t>Fourth level</a:t>
-            </a:r>
-          </a:p>
-          <a:p>
-            <a:pPr lvl="4" eaLnBrk="1" latinLnBrk="0" hangingPunct="1"/>
-            <a:r>
-              <a:rPr lang="en-US"/>
-              <a:t>Fifth level</a:t>
-            </a:r>
-            <a:endParaRPr kumimoji="0" lang="en-US"/>
-          </a:p>
-        </p:txBody>
-      </p:sp>
-      <p:sp>
-        <p:nvSpPr>
-          <p:cNvPr id="5" name="Date Placeholder 4"/>
+        </p:txBody>
+      </p:sp>
+      <p:sp>
+        <p:nvSpPr>
+          <p:cNvPr id="5" name="Date Placeholder 4">
+            <a:extLst>
+              <a:ext uri="{FF2B5EF4-FFF2-40B4-BE49-F238E27FC236}">
+                <a16:creationId xmlns:a16="http://schemas.microsoft.com/office/drawing/2014/main" id="{8EB0A72D-F56E-4930-B3C8-4F843F311EFB}"/>
+              </a:ext>
+            </a:extLst>
+          </p:cNvPr>
           <p:cNvSpPr>
             <a:spLocks noGrp="1"/>
           </p:cNvSpPr>
@@ -5693,7 +5908,7 @@
           <a:p>
             <a:fld id="{6CA5A943-32E6-457E-BBB1-24AC6000B3D3}" type="datetime1">
               <a:rPr lang="en-US" smtClean="0"/>
-              <a:t>2/26/2023</a:t>
+              <a:t>4/22/2023</a:t>
             </a:fld>
             <a:endParaRPr lang="en-US"/>
           </a:p>
@@ -5701,7 +5916,13 @@
       </p:sp>
       <p:sp>
         <p:nvSpPr>
-          <p:cNvPr id="6" name="Footer Placeholder 5"/>
+          <p:cNvPr id="6" name="Footer Placeholder 5">
+            <a:extLst>
+              <a:ext uri="{FF2B5EF4-FFF2-40B4-BE49-F238E27FC236}">
+                <a16:creationId xmlns:a16="http://schemas.microsoft.com/office/drawing/2014/main" id="{2E6FA9E1-5174-4AC6-8A26-551A27F05943}"/>
+              </a:ext>
+            </a:extLst>
+          </p:cNvPr>
           <p:cNvSpPr>
             <a:spLocks noGrp="1"/>
           </p:cNvSpPr>
@@ -5720,7 +5941,13 @@
       </p:sp>
       <p:sp>
         <p:nvSpPr>
-          <p:cNvPr id="7" name="Slide Number Placeholder 6"/>
+          <p:cNvPr id="7" name="Slide Number Placeholder 6">
+            <a:extLst>
+              <a:ext uri="{FF2B5EF4-FFF2-40B4-BE49-F238E27FC236}">
+                <a16:creationId xmlns:a16="http://schemas.microsoft.com/office/drawing/2014/main" id="{F6CFDE92-0026-4F95-BA1E-5AC456D2C453}"/>
+              </a:ext>
+            </a:extLst>
+          </p:cNvPr>
           <p:cNvSpPr>
             <a:spLocks noGrp="1"/>
           </p:cNvSpPr>
@@ -5743,6 +5970,11 @@
         </p:txBody>
       </p:sp>
     </p:spTree>
+    <p:extLst>
+      <p:ext uri="{BB962C8B-B14F-4D97-AF65-F5344CB8AC3E}">
+        <p14:creationId xmlns:p14="http://schemas.microsoft.com/office/powerpoint/2010/main" val="984979742"/>
+      </p:ext>
+    </p:extLst>
   </p:cSld>
   <p:clrMapOvr>
     <a:masterClrMapping/>
@@ -5751,7 +5983,7 @@
 </file>
 
 <file path=ppt/slideLayouts/slideLayout9.xml><?xml version="1.0" encoding="utf-8"?>
-<p:sldLayout xmlns:a="http://schemas.openxmlformats.org/drawingml/2006/main" xmlns:r="http://schemas.openxmlformats.org/officeDocument/2006/relationships" xmlns:p="http://schemas.openxmlformats.org/presentationml/2006/main" showMasterSp="0" type="picTx" preserve="1">
+<p:sldLayout xmlns:a="http://schemas.openxmlformats.org/drawingml/2006/main" xmlns:r="http://schemas.openxmlformats.org/officeDocument/2006/relationships" xmlns:p="http://schemas.openxmlformats.org/presentationml/2006/main" type="picTx" preserve="1">
   <p:cSld name="Picture with Caption">
     <p:spTree>
       <p:nvGrpSpPr>
@@ -5769,119 +6001,13 @@
       </p:grpSpPr>
       <p:sp>
         <p:nvSpPr>
-          <p:cNvPr id="9" name="Snip and Round Single Corner Rectangle 8"/>
-          <p:cNvSpPr/>
-          <p:nvPr/>
-        </p:nvSpPr>
-        <p:spPr>
-          <a:xfrm rot="420000" flipV="1">
-            <a:off x="3165753" y="1108077"/>
-            <a:ext cx="5257800" cy="4114800"/>
-          </a:xfrm>
-          <a:prstGeom prst="snipRoundRect">
-            <a:avLst>
-              <a:gd name="adj1" fmla="val 0"/>
-              <a:gd name="adj2" fmla="val 3646"/>
-            </a:avLst>
-          </a:prstGeom>
-          <a:solidFill>
-            <a:srgbClr val="FFFFFF"/>
-          </a:solidFill>
-          <a:ln w="3175" cap="rnd" cmpd="sng" algn="ctr">
-            <a:solidFill>
-              <a:srgbClr val="C0C0C0"/>
-            </a:solidFill>
-            <a:prstDash val="solid"/>
-          </a:ln>
-          <a:effectLst>
-            <a:outerShdw blurRad="63500" dist="38500" dir="7500000" sx="98500" sy="100080" kx="100000" algn="tl" rotWithShape="0">
-              <a:srgbClr val="000000">
-                <a:alpha val="25000"/>
-              </a:srgbClr>
-            </a:outerShdw>
-          </a:effectLst>
-        </p:spPr>
-        <p:style>
-          <a:lnRef idx="2">
-            <a:schemeClr val="accent1"/>
-          </a:lnRef>
-          <a:fillRef idx="1">
-            <a:schemeClr val="accent1"/>
-          </a:fillRef>
-          <a:effectRef idx="0">
-            <a:schemeClr val="accent1"/>
-          </a:effectRef>
-          <a:fontRef idx="minor">
-            <a:schemeClr val="lt1"/>
-          </a:fontRef>
-        </p:style>
-        <p:txBody>
-          <a:bodyPr rtlCol="0" anchor="ctr"/>
-          <a:lstStyle/>
-          <a:p>
-            <a:pPr algn="ctr" eaLnBrk="1" latinLnBrk="0" hangingPunct="1"/>
-            <a:endParaRPr kumimoji="0" lang="en-US"/>
-          </a:p>
-        </p:txBody>
-      </p:sp>
-      <p:sp>
-        <p:nvSpPr>
-          <p:cNvPr id="12" name="Right Triangle 11"/>
-          <p:cNvSpPr/>
-          <p:nvPr/>
-        </p:nvSpPr>
-        <p:spPr>
-          <a:xfrm rot="420000" flipV="1">
-            <a:off x="8004134" y="5359769"/>
-            <a:ext cx="155448" cy="155448"/>
-          </a:xfrm>
-          <a:prstGeom prst="rtTriangle">
-            <a:avLst/>
-          </a:prstGeom>
-          <a:solidFill>
-            <a:srgbClr val="FFFFFF"/>
-          </a:solidFill>
-          <a:ln w="12700" cap="flat" cmpd="sng" algn="ctr">
-            <a:solidFill>
-              <a:srgbClr val="FFFFFF"/>
-            </a:solidFill>
-            <a:prstDash val="solid"/>
-            <a:bevel/>
-          </a:ln>
-          <a:effectLst>
-            <a:outerShdw blurRad="19685" dist="6350" dir="12900000" algn="tl" rotWithShape="0">
-              <a:srgbClr val="000000">
-                <a:alpha val="47000"/>
-              </a:srgbClr>
-            </a:outerShdw>
-          </a:effectLst>
-        </p:spPr>
-        <p:style>
-          <a:lnRef idx="2">
-            <a:schemeClr val="accent1"/>
-          </a:lnRef>
-          <a:fillRef idx="1">
-            <a:schemeClr val="accent1"/>
-          </a:fillRef>
-          <a:effectRef idx="0">
-            <a:schemeClr val="accent1"/>
-          </a:effectRef>
-          <a:fontRef idx="minor">
-            <a:schemeClr val="lt1"/>
-          </a:fontRef>
-        </p:style>
-        <p:txBody>
-          <a:bodyPr rtlCol="0" anchor="ctr"/>
-          <a:lstStyle/>
-          <a:p>
-            <a:pPr algn="ctr" eaLnBrk="1" latinLnBrk="0" hangingPunct="1"/>
-            <a:endParaRPr kumimoji="0" lang="en-US"/>
-          </a:p>
-        </p:txBody>
-      </p:sp>
-      <p:sp>
-        <p:nvSpPr>
-          <p:cNvPr id="2" name="Title 1"/>
+          <p:cNvPr id="2" name="Title 1">
+            <a:extLst>
+              <a:ext uri="{FF2B5EF4-FFF2-40B4-BE49-F238E27FC236}">
+                <a16:creationId xmlns:a16="http://schemas.microsoft.com/office/drawing/2014/main" id="{54226473-5666-4F65-93DE-63AD2ED4CB7A}"/>
+              </a:ext>
+            </a:extLst>
+          </p:cNvPr>
           <p:cNvSpPr>
             <a:spLocks noGrp="1"/>
           </p:cNvSpPr>
@@ -5891,25 +6017,20 @@
         </p:nvSpPr>
         <p:spPr>
           <a:xfrm>
-            <a:off x="609600" y="1176996"/>
-            <a:ext cx="2212848" cy="1582621"/>
+            <a:off x="629841" y="457200"/>
+            <a:ext cx="2949178" cy="1600200"/>
           </a:xfrm>
         </p:spPr>
         <p:txBody>
-          <a:bodyPr vert="horz" lIns="45720" tIns="45720" rIns="45720" bIns="45720" anchor="b"/>
+          <a:bodyPr anchor="b"/>
           <a:lstStyle>
-            <a:lvl1pPr algn="l">
-              <a:buNone/>
-              <a:defRPr sz="2000" b="1">
-                <a:solidFill>
-                  <a:schemeClr val="tx2"/>
-                </a:solidFill>
-              </a:defRPr>
+            <a:lvl1pPr>
+              <a:defRPr sz="2400"/>
             </a:lvl1pPr>
           </a:lstStyle>
           <a:p>
             <a:r>
-              <a:rPr kumimoji="0" lang="en-US"/>
+              <a:rPr lang="en-US"/>
               <a:t>Click to edit Master title style</a:t>
             </a:r>
           </a:p>
@@ -5917,48 +6038,137 @@
       </p:sp>
       <p:sp>
         <p:nvSpPr>
-          <p:cNvPr id="4" name="Text Placeholder 3"/>
-          <p:cNvSpPr>
-            <a:spLocks noGrp="1"/>
-          </p:cNvSpPr>
-          <p:nvPr>
-            <p:ph type="body" sz="half" idx="2"/>
+          <p:cNvPr id="3" name="Picture Placeholder 2">
+            <a:extLst>
+              <a:ext uri="{FF2B5EF4-FFF2-40B4-BE49-F238E27FC236}">
+                <a16:creationId xmlns:a16="http://schemas.microsoft.com/office/drawing/2014/main" id="{A88A3BCB-ED00-4099-98D5-A118E90910D7}"/>
+              </a:ext>
+            </a:extLst>
+          </p:cNvPr>
+          <p:cNvSpPr>
+            <a:spLocks noGrp="1"/>
+          </p:cNvSpPr>
+          <p:nvPr>
+            <p:ph type="pic" idx="1"/>
           </p:nvPr>
         </p:nvSpPr>
         <p:spPr>
           <a:xfrm>
-            <a:off x="609600" y="2828785"/>
-            <a:ext cx="2209800" cy="2179320"/>
+            <a:off x="3887391" y="987426"/>
+            <a:ext cx="4629150" cy="4873625"/>
           </a:xfrm>
         </p:spPr>
         <p:txBody>
-          <a:bodyPr lIns="64008" rIns="45720" bIns="45720" anchor="t"/>
+          <a:bodyPr/>
           <a:lstStyle>
-            <a:lvl1pPr marL="0" indent="0" algn="l">
-              <a:spcBef>
-                <a:spcPts val="250"/>
-              </a:spcBef>
-              <a:buFontTx/>
+            <a:lvl1pPr marL="0" indent="0">
               <a:buNone/>
-              <a:defRPr sz="1300"/>
+              <a:defRPr sz="2400"/>
             </a:lvl1pPr>
-            <a:lvl2pPr>
+            <a:lvl2pPr marL="342900" indent="0">
+              <a:buNone/>
+              <a:defRPr sz="2100"/>
+            </a:lvl2pPr>
+            <a:lvl3pPr marL="685800" indent="0">
+              <a:buNone/>
+              <a:defRPr sz="1800"/>
+            </a:lvl3pPr>
+            <a:lvl4pPr marL="1028700" indent="0">
+              <a:buNone/>
+              <a:defRPr sz="1500"/>
+            </a:lvl4pPr>
+            <a:lvl5pPr marL="1371600" indent="0">
+              <a:buNone/>
+              <a:defRPr sz="1500"/>
+            </a:lvl5pPr>
+            <a:lvl6pPr marL="1714500" indent="0">
+              <a:buNone/>
+              <a:defRPr sz="1500"/>
+            </a:lvl6pPr>
+            <a:lvl7pPr marL="2057400" indent="0">
+              <a:buNone/>
+              <a:defRPr sz="1500"/>
+            </a:lvl7pPr>
+            <a:lvl8pPr marL="2400300" indent="0">
+              <a:buNone/>
+              <a:defRPr sz="1500"/>
+            </a:lvl8pPr>
+            <a:lvl9pPr marL="2743200" indent="0">
+              <a:buNone/>
+              <a:defRPr sz="1500"/>
+            </a:lvl9pPr>
+          </a:lstStyle>
+          <a:p>
+            <a:endParaRPr lang="en-US"/>
+          </a:p>
+        </p:txBody>
+      </p:sp>
+      <p:sp>
+        <p:nvSpPr>
+          <p:cNvPr id="4" name="Text Placeholder 3">
+            <a:extLst>
+              <a:ext uri="{FF2B5EF4-FFF2-40B4-BE49-F238E27FC236}">
+                <a16:creationId xmlns:a16="http://schemas.microsoft.com/office/drawing/2014/main" id="{0CED68F2-5FAC-426D-B4B1-C88E61D37E0D}"/>
+              </a:ext>
+            </a:extLst>
+          </p:cNvPr>
+          <p:cNvSpPr>
+            <a:spLocks noGrp="1"/>
+          </p:cNvSpPr>
+          <p:nvPr>
+            <p:ph type="body" sz="half" idx="2"/>
+          </p:nvPr>
+        </p:nvSpPr>
+        <p:spPr>
+          <a:xfrm>
+            <a:off x="629841" y="2057400"/>
+            <a:ext cx="2949178" cy="3811588"/>
+          </a:xfrm>
+        </p:spPr>
+        <p:txBody>
+          <a:bodyPr/>
+          <a:lstStyle>
+            <a:lvl1pPr marL="0" indent="0">
+              <a:buNone/>
               <a:defRPr sz="1200"/>
+            </a:lvl1pPr>
+            <a:lvl2pPr marL="342900" indent="0">
+              <a:buNone/>
+              <a:defRPr sz="1050"/>
             </a:lvl2pPr>
-            <a:lvl3pPr>
-              <a:defRPr sz="1000"/>
+            <a:lvl3pPr marL="685800" indent="0">
+              <a:buNone/>
+              <a:defRPr sz="900"/>
             </a:lvl3pPr>
-            <a:lvl4pPr>
-              <a:defRPr sz="900"/>
+            <a:lvl4pPr marL="1028700" indent="0">
+              <a:buNone/>
+              <a:defRPr sz="750"/>
             </a:lvl4pPr>
-            <a:lvl5pPr>
-              <a:defRPr sz="900"/>
+            <a:lvl5pPr marL="1371600" indent="0">
+              <a:buNone/>
+              <a:defRPr sz="750"/>
             </a:lvl5pPr>
+            <a:lvl6pPr marL="1714500" indent="0">
+              <a:buNone/>
+              <a:defRPr sz="750"/>
+            </a:lvl6pPr>
+            <a:lvl7pPr marL="2057400" indent="0">
+              <a:buNone/>
+              <a:defRPr sz="750"/>
+            </a:lvl7pPr>
+            <a:lvl8pPr marL="2400300" indent="0">
+              <a:buNone/>
+              <a:defRPr sz="750"/>
+            </a:lvl8pPr>
+            <a:lvl9pPr marL="2743200" indent="0">
+              <a:buNone/>
+              <a:defRPr sz="750"/>
+            </a:lvl9pPr>
           </a:lstStyle>
           <a:p>
-            <a:pPr lvl="0" eaLnBrk="1" latinLnBrk="0" hangingPunct="1"/>
-            <a:r>
-              <a:rPr kumimoji="0" lang="en-US"/>
+            <a:pPr lvl="0"/>
+            <a:r>
+              <a:rPr lang="en-US"/>
               <a:t>Click to edit Master text styles</a:t>
             </a:r>
           </a:p>
@@ -5966,7 +6176,13 @@
       </p:sp>
       <p:sp>
         <p:nvSpPr>
-          <p:cNvPr id="5" name="Date Placeholder 4"/>
+          <p:cNvPr id="5" name="Date Placeholder 4">
+            <a:extLst>
+              <a:ext uri="{FF2B5EF4-FFF2-40B4-BE49-F238E27FC236}">
+                <a16:creationId xmlns:a16="http://schemas.microsoft.com/office/drawing/2014/main" id="{98B5A90F-B8FF-488E-9C1D-11AC905942E5}"/>
+              </a:ext>
+            </a:extLst>
+          </p:cNvPr>
           <p:cNvSpPr>
             <a:spLocks noGrp="1"/>
           </p:cNvSpPr>
@@ -5981,7 +6197,7 @@
           <a:p>
             <a:fld id="{B96B6183-D439-4A2D-A6CF-8499BE1FD73E}" type="datetime1">
               <a:rPr lang="en-US" smtClean="0"/>
-              <a:t>2/26/2023</a:t>
+              <a:t>4/22/2023</a:t>
             </a:fld>
             <a:endParaRPr lang="en-US"/>
           </a:p>
@@ -5989,7 +6205,13 @@
       </p:sp>
       <p:sp>
         <p:nvSpPr>
-          <p:cNvPr id="6" name="Footer Placeholder 5"/>
+          <p:cNvPr id="6" name="Footer Placeholder 5">
+            <a:extLst>
+              <a:ext uri="{FF2B5EF4-FFF2-40B4-BE49-F238E27FC236}">
+                <a16:creationId xmlns:a16="http://schemas.microsoft.com/office/drawing/2014/main" id="{861A1F5A-2F59-41DE-933A-2C0178D9AF30}"/>
+              </a:ext>
+            </a:extLst>
+          </p:cNvPr>
           <p:cNvSpPr>
             <a:spLocks noGrp="1"/>
           </p:cNvSpPr>
@@ -6008,7 +6230,13 @@
       </p:sp>
       <p:sp>
         <p:nvSpPr>
-          <p:cNvPr id="7" name="Slide Number Placeholder 6"/>
+          <p:cNvPr id="7" name="Slide Number Placeholder 6">
+            <a:extLst>
+              <a:ext uri="{FF2B5EF4-FFF2-40B4-BE49-F238E27FC236}">
+                <a16:creationId xmlns:a16="http://schemas.microsoft.com/office/drawing/2014/main" id="{19D5E51C-29FF-41D8-BE8D-B5E4697D61C7}"/>
+              </a:ext>
+            </a:extLst>
+          </p:cNvPr>
           <p:cNvSpPr>
             <a:spLocks noGrp="1"/>
           </p:cNvSpPr>
@@ -6016,12 +6244,7 @@
             <p:ph type="sldNum" sz="quarter" idx="12"/>
           </p:nvPr>
         </p:nvSpPr>
-        <p:spPr>
-          <a:xfrm>
-            <a:off x="8077200" y="6356350"/>
-            <a:ext cx="609600" cy="365125"/>
-          </a:xfrm>
-        </p:spPr>
+        <p:spPr/>
         <p:txBody>
           <a:bodyPr/>
           <a:lstStyle/>
@@ -6035,309 +6258,12 @@
           </a:p>
         </p:txBody>
       </p:sp>
-      <p:sp>
-        <p:nvSpPr>
-          <p:cNvPr id="3" name="Picture Placeholder 2"/>
-          <p:cNvSpPr>
-            <a:spLocks noGrp="1"/>
-          </p:cNvSpPr>
-          <p:nvPr>
-            <p:ph type="pic" idx="1"/>
-          </p:nvPr>
-        </p:nvSpPr>
-        <p:spPr>
-          <a:xfrm rot="420000">
-            <a:off x="3485793" y="1199517"/>
-            <a:ext cx="4617720" cy="3931920"/>
-          </a:xfrm>
-          <a:prstGeom prst="rect">
-            <a:avLst/>
-          </a:prstGeom>
-          <a:solidFill>
-            <a:schemeClr val="bg2"/>
-          </a:solidFill>
-          <a:ln w="3000" cap="rnd">
-            <a:solidFill>
-              <a:srgbClr val="C0C0C0"/>
-            </a:solidFill>
-            <a:round/>
-          </a:ln>
-          <a:effectLst/>
-        </p:spPr>
-        <p:txBody>
-          <a:bodyPr/>
-          <a:lstStyle>
-            <a:lvl1pPr marL="0" indent="0">
-              <a:buNone/>
-              <a:defRPr sz="3200"/>
-            </a:lvl1pPr>
-          </a:lstStyle>
-          <a:p>
-            <a:r>
-              <a:rPr kumimoji="0" lang="en-US"/>
-              <a:t>Click icon to add picture</a:t>
-            </a:r>
-            <a:endParaRPr kumimoji="0" lang="en-US" dirty="0"/>
-          </a:p>
-        </p:txBody>
-      </p:sp>
-      <p:sp>
-        <p:nvSpPr>
-          <p:cNvPr id="10" name="Freeform 9"/>
-          <p:cNvSpPr>
-            <a:spLocks/>
-          </p:cNvSpPr>
-          <p:nvPr/>
-        </p:nvSpPr>
-        <p:spPr bwMode="auto">
-          <a:xfrm flipV="1">
-            <a:off x="-9525" y="5816600"/>
-            <a:ext cx="9163050" cy="1041400"/>
-          </a:xfrm>
-          <a:custGeom>
-            <a:avLst>
-              <a:gd name="A1" fmla="val 0"/>
-              <a:gd name="A2" fmla="val 0"/>
-              <a:gd name="A3" fmla="val 0"/>
-              <a:gd name="A4" fmla="val 0"/>
-              <a:gd name="A5" fmla="val 0"/>
-              <a:gd name="A6" fmla="val 0"/>
-              <a:gd name="A7" fmla="val 0"/>
-              <a:gd name="A8" fmla="val 0"/>
-            </a:avLst>
-            <a:gdLst/>
-            <a:ahLst/>
-            <a:cxnLst>
-              <a:cxn ang="0">
-                <a:pos x="6" y="2"/>
-              </a:cxn>
-              <a:cxn ang="0">
-                <a:pos x="2542" y="0"/>
-              </a:cxn>
-              <a:cxn ang="0">
-                <a:pos x="4374" y="367"/>
-              </a:cxn>
-              <a:cxn ang="0">
-                <a:pos x="5766" y="55"/>
-              </a:cxn>
-              <a:cxn ang="0">
-                <a:pos x="5772" y="213"/>
-              </a:cxn>
-              <a:cxn ang="0">
-                <a:pos x="4302" y="439"/>
-              </a:cxn>
-              <a:cxn ang="0">
-                <a:pos x="1488" y="201"/>
-              </a:cxn>
-              <a:cxn ang="0">
-                <a:pos x="0" y="656"/>
-              </a:cxn>
-              <a:cxn ang="0">
-                <a:pos x="6" y="2"/>
-              </a:cxn>
-            </a:cxnLst>
-            <a:rect l="0" t="0" r="0" b="0"/>
-            <a:pathLst>
-              <a:path w="5772" h="656">
-                <a:moveTo>
-                  <a:pt x="6" y="2"/>
-                </a:moveTo>
-                <a:lnTo>
-                  <a:pt x="2542" y="0"/>
-                </a:lnTo>
-                <a:cubicBezTo>
-                  <a:pt x="2746" y="101"/>
-                  <a:pt x="3828" y="367"/>
-                  <a:pt x="4374" y="367"/>
-                </a:cubicBezTo>
-                <a:cubicBezTo>
-                  <a:pt x="4920" y="367"/>
-                  <a:pt x="5526" y="152"/>
-                  <a:pt x="5766" y="55"/>
-                </a:cubicBezTo>
-                <a:lnTo>
-                  <a:pt x="5772" y="213"/>
-                </a:lnTo>
-                <a:cubicBezTo>
-                  <a:pt x="5670" y="257"/>
-                  <a:pt x="5016" y="441"/>
-                  <a:pt x="4302" y="439"/>
-                </a:cubicBezTo>
-                <a:cubicBezTo>
-                  <a:pt x="3588" y="437"/>
-                  <a:pt x="2205" y="165"/>
-                  <a:pt x="1488" y="201"/>
-                </a:cubicBezTo>
-                <a:cubicBezTo>
-                  <a:pt x="750" y="209"/>
-                  <a:pt x="270" y="482"/>
-                  <a:pt x="0" y="656"/>
-                </a:cubicBezTo>
-                <a:lnTo>
-                  <a:pt x="6" y="2"/>
-                </a:lnTo>
-                <a:close/>
-              </a:path>
-            </a:pathLst>
-          </a:custGeom>
-          <a:gradFill>
-            <a:gsLst>
-              <a:gs pos="0">
-                <a:schemeClr val="accent2">
-                  <a:shade val="50000"/>
-                  <a:alpha val="45000"/>
-                  <a:satMod val="120000"/>
-                </a:schemeClr>
-              </a:gs>
-              <a:gs pos="100000">
-                <a:schemeClr val="accent3">
-                  <a:shade val="80000"/>
-                  <a:alpha val="55000"/>
-                  <a:satMod val="155000"/>
-                </a:schemeClr>
-              </a:gs>
-            </a:gsLst>
-            <a:lin ang="5400000" scaled="1"/>
-          </a:gradFill>
-          <a:ln w="9525" cap="flat" cmpd="sng" algn="ctr">
-            <a:noFill/>
-            <a:prstDash val="solid"/>
-            <a:round/>
-            <a:headEnd type="none" w="med" len="med"/>
-            <a:tailEnd type="none" w="med" len="med"/>
-          </a:ln>
-          <a:effectLst/>
-        </p:spPr>
-        <p:txBody>
-          <a:bodyPr vert="horz" wrap="square" lIns="91440" tIns="45720" rIns="91440" bIns="45720" anchor="t" compatLnSpc="1"/>
-          <a:lstStyle/>
-          <a:p>
-            <a:pPr marL="0" algn="l" rtl="0" eaLnBrk="1" latinLnBrk="0" hangingPunct="1"/>
-            <a:endParaRPr kumimoji="0" lang="en-US">
-              <a:solidFill>
-                <a:schemeClr val="tx1"/>
-              </a:solidFill>
-              <a:latin typeface="+mn-lt"/>
-              <a:ea typeface="+mn-ea"/>
-              <a:cs typeface="+mn-cs"/>
-            </a:endParaRPr>
-          </a:p>
-        </p:txBody>
-      </p:sp>
-      <p:sp>
-        <p:nvSpPr>
-          <p:cNvPr id="11" name="Freeform 10"/>
-          <p:cNvSpPr>
-            <a:spLocks/>
-          </p:cNvSpPr>
-          <p:nvPr/>
-        </p:nvSpPr>
-        <p:spPr bwMode="auto">
-          <a:xfrm flipV="1">
-            <a:off x="4381500" y="6219825"/>
-            <a:ext cx="4762500" cy="638175"/>
-          </a:xfrm>
-          <a:custGeom>
-            <a:avLst>
-              <a:gd name="A1" fmla="val 0"/>
-              <a:gd name="A2" fmla="val 0"/>
-              <a:gd name="A3" fmla="val 0"/>
-              <a:gd name="A4" fmla="val 0"/>
-              <a:gd name="A5" fmla="val 0"/>
-              <a:gd name="A6" fmla="val 0"/>
-              <a:gd name="A7" fmla="val 0"/>
-              <a:gd name="A8" fmla="val 0"/>
-            </a:avLst>
-            <a:gdLst/>
-            <a:ahLst/>
-            <a:cxnLst>
-              <a:cxn ang="0">
-                <a:pos x="0" y="0"/>
-              </a:cxn>
-              <a:cxn ang="0">
-                <a:pos x="1668" y="564"/>
-              </a:cxn>
-              <a:cxn ang="0">
-                <a:pos x="3000" y="186"/>
-              </a:cxn>
-              <a:cxn ang="0">
-                <a:pos x="3000" y="6"/>
-              </a:cxn>
-              <a:cxn ang="0">
-                <a:pos x="0" y="0"/>
-              </a:cxn>
-            </a:cxnLst>
-            <a:rect l="0" t="0" r="0" b="0"/>
-            <a:pathLst>
-              <a:path w="3000" h="595">
-                <a:moveTo>
-                  <a:pt x="0" y="0"/>
-                </a:moveTo>
-                <a:cubicBezTo>
-                  <a:pt x="174" y="102"/>
-                  <a:pt x="1168" y="533"/>
-                  <a:pt x="1668" y="564"/>
-                </a:cubicBezTo>
-                <a:cubicBezTo>
-                  <a:pt x="2168" y="595"/>
-                  <a:pt x="2778" y="279"/>
-                  <a:pt x="3000" y="186"/>
-                </a:cubicBezTo>
-                <a:lnTo>
-                  <a:pt x="3000" y="6"/>
-                </a:lnTo>
-                <a:lnTo>
-                  <a:pt x="0" y="0"/>
-                </a:lnTo>
-                <a:close/>
-              </a:path>
-            </a:pathLst>
-          </a:custGeom>
-          <a:gradFill>
-            <a:gsLst>
-              <a:gs pos="0">
-                <a:schemeClr val="accent3">
-                  <a:shade val="50000"/>
-                  <a:alpha val="30000"/>
-                  <a:satMod val="130000"/>
-                </a:schemeClr>
-              </a:gs>
-              <a:gs pos="80000">
-                <a:schemeClr val="accent2">
-                  <a:shade val="75000"/>
-                  <a:alpha val="45000"/>
-                  <a:satMod val="140000"/>
-                </a:schemeClr>
-              </a:gs>
-            </a:gsLst>
-            <a:lin ang="5400000" scaled="1"/>
-          </a:gradFill>
-          <a:ln w="9525" cap="flat" cmpd="sng" algn="ctr">
-            <a:noFill/>
-            <a:prstDash val="solid"/>
-            <a:round/>
-            <a:headEnd type="none" w="med" len="med"/>
-            <a:tailEnd type="none" w="med" len="med"/>
-          </a:ln>
-          <a:effectLst/>
-        </p:spPr>
-        <p:txBody>
-          <a:bodyPr vert="horz" wrap="square" lIns="91440" tIns="45720" rIns="91440" bIns="45720" anchor="t" compatLnSpc="1"/>
-          <a:lstStyle/>
-          <a:p>
-            <a:pPr marL="0" algn="l" rtl="0" eaLnBrk="1" latinLnBrk="0" hangingPunct="1"/>
-            <a:endParaRPr kumimoji="0" lang="en-US">
-              <a:solidFill>
-                <a:schemeClr val="tx1"/>
-              </a:solidFill>
-              <a:latin typeface="+mn-lt"/>
-              <a:ea typeface="+mn-ea"/>
-              <a:cs typeface="+mn-cs"/>
-            </a:endParaRPr>
-          </a:p>
-        </p:txBody>
-      </p:sp>
     </p:spTree>
+    <p:extLst>
+      <p:ext uri="{BB962C8B-B14F-4D97-AF65-F5344CB8AC3E}">
+        <p14:creationId xmlns:p14="http://schemas.microsoft.com/office/powerpoint/2010/main" val="3665359"/>
+      </p:ext>
+    </p:extLst>
   </p:cSld>
   <p:clrMapOvr>
     <a:masterClrMapping/>
@@ -6349,7 +6275,7 @@
 <p:sldMaster xmlns:a="http://schemas.openxmlformats.org/drawingml/2006/main" xmlns:r="http://schemas.openxmlformats.org/officeDocument/2006/relationships" xmlns:p="http://schemas.openxmlformats.org/presentationml/2006/main">
   <p:cSld>
     <p:bg>
-      <p:bgRef idx="1003">
+      <p:bgRef idx="1001">
         <a:schemeClr val="bg1"/>
       </p:bgRef>
     </p:bg>
@@ -6369,263 +6295,13 @@
       </p:grpSpPr>
       <p:sp>
         <p:nvSpPr>
-          <p:cNvPr id="7" name="Freeform 6"/>
-          <p:cNvSpPr>
-            <a:spLocks/>
-          </p:cNvSpPr>
-          <p:nvPr/>
-        </p:nvSpPr>
-        <p:spPr bwMode="auto">
-          <a:xfrm>
-            <a:off x="-9525" y="-7144"/>
-            <a:ext cx="9163050" cy="1041400"/>
-          </a:xfrm>
-          <a:custGeom>
-            <a:avLst>
-              <a:gd name="A1" fmla="val 0"/>
-              <a:gd name="A2" fmla="val 0"/>
-              <a:gd name="A3" fmla="val 0"/>
-              <a:gd name="A4" fmla="val 0"/>
-              <a:gd name="A5" fmla="val 0"/>
-              <a:gd name="A6" fmla="val 0"/>
-              <a:gd name="A7" fmla="val 0"/>
-              <a:gd name="A8" fmla="val 0"/>
-            </a:avLst>
-            <a:gdLst/>
-            <a:ahLst/>
-            <a:cxnLst>
-              <a:cxn ang="0">
-                <a:pos x="6" y="2"/>
-              </a:cxn>
-              <a:cxn ang="0">
-                <a:pos x="2542" y="0"/>
-              </a:cxn>
-              <a:cxn ang="0">
-                <a:pos x="4374" y="367"/>
-              </a:cxn>
-              <a:cxn ang="0">
-                <a:pos x="5766" y="55"/>
-              </a:cxn>
-              <a:cxn ang="0">
-                <a:pos x="5772" y="213"/>
-              </a:cxn>
-              <a:cxn ang="0">
-                <a:pos x="4302" y="439"/>
-              </a:cxn>
-              <a:cxn ang="0">
-                <a:pos x="1488" y="201"/>
-              </a:cxn>
-              <a:cxn ang="0">
-                <a:pos x="0" y="656"/>
-              </a:cxn>
-              <a:cxn ang="0">
-                <a:pos x="6" y="2"/>
-              </a:cxn>
-            </a:cxnLst>
-            <a:rect l="0" t="0" r="0" b="0"/>
-            <a:pathLst>
-              <a:path w="5772" h="656">
-                <a:moveTo>
-                  <a:pt x="6" y="2"/>
-                </a:moveTo>
-                <a:lnTo>
-                  <a:pt x="2542" y="0"/>
-                </a:lnTo>
-                <a:cubicBezTo>
-                  <a:pt x="2746" y="101"/>
-                  <a:pt x="3828" y="367"/>
-                  <a:pt x="4374" y="367"/>
-                </a:cubicBezTo>
-                <a:cubicBezTo>
-                  <a:pt x="4920" y="367"/>
-                  <a:pt x="5526" y="152"/>
-                  <a:pt x="5766" y="55"/>
-                </a:cubicBezTo>
-                <a:lnTo>
-                  <a:pt x="5772" y="213"/>
-                </a:lnTo>
-                <a:cubicBezTo>
-                  <a:pt x="5670" y="257"/>
-                  <a:pt x="5016" y="441"/>
-                  <a:pt x="4302" y="439"/>
-                </a:cubicBezTo>
-                <a:cubicBezTo>
-                  <a:pt x="3588" y="437"/>
-                  <a:pt x="2205" y="165"/>
-                  <a:pt x="1488" y="201"/>
-                </a:cubicBezTo>
-                <a:cubicBezTo>
-                  <a:pt x="750" y="209"/>
-                  <a:pt x="270" y="482"/>
-                  <a:pt x="0" y="656"/>
-                </a:cubicBezTo>
-                <a:lnTo>
-                  <a:pt x="6" y="2"/>
-                </a:lnTo>
-                <a:close/>
-              </a:path>
-            </a:pathLst>
-          </a:custGeom>
-          <a:gradFill>
-            <a:gsLst>
-              <a:gs pos="0">
-                <a:schemeClr val="accent2">
-                  <a:shade val="50000"/>
-                  <a:alpha val="45000"/>
-                  <a:satMod val="120000"/>
-                </a:schemeClr>
-              </a:gs>
-              <a:gs pos="100000">
-                <a:schemeClr val="accent3">
-                  <a:shade val="80000"/>
-                  <a:alpha val="55000"/>
-                  <a:satMod val="155000"/>
-                </a:schemeClr>
-              </a:gs>
-            </a:gsLst>
-            <a:lin ang="5400000" scaled="1"/>
-          </a:gradFill>
-          <a:ln w="9525" cap="flat" cmpd="sng" algn="ctr">
-            <a:noFill/>
-            <a:prstDash val="solid"/>
-            <a:round/>
-            <a:headEnd type="none" w="med" len="med"/>
-            <a:tailEnd type="none" w="med" len="med"/>
-          </a:ln>
-          <a:effectLst/>
-        </p:spPr>
-        <p:txBody>
-          <a:bodyPr vert="horz" wrap="square" lIns="91440" tIns="45720" rIns="91440" bIns="45720" anchor="t" compatLnSpc="1"/>
-          <a:lstStyle/>
-          <a:p>
-            <a:pPr marL="0" algn="l" rtl="0" eaLnBrk="1" latinLnBrk="0" hangingPunct="1"/>
-            <a:endParaRPr kumimoji="0" lang="en-US">
-              <a:solidFill>
-                <a:schemeClr val="tx1"/>
-              </a:solidFill>
-              <a:latin typeface="+mn-lt"/>
-              <a:ea typeface="+mn-ea"/>
-              <a:cs typeface="+mn-cs"/>
-            </a:endParaRPr>
-          </a:p>
-        </p:txBody>
-      </p:sp>
-      <p:sp>
-        <p:nvSpPr>
-          <p:cNvPr id="8" name="Freeform 7"/>
-          <p:cNvSpPr>
-            <a:spLocks/>
-          </p:cNvSpPr>
-          <p:nvPr/>
-        </p:nvSpPr>
-        <p:spPr bwMode="auto">
-          <a:xfrm>
-            <a:off x="4381500" y="-7144"/>
-            <a:ext cx="4762500" cy="638175"/>
-          </a:xfrm>
-          <a:custGeom>
-            <a:avLst>
-              <a:gd name="A1" fmla="val 0"/>
-              <a:gd name="A2" fmla="val 0"/>
-              <a:gd name="A3" fmla="val 0"/>
-              <a:gd name="A4" fmla="val 0"/>
-              <a:gd name="A5" fmla="val 0"/>
-              <a:gd name="A6" fmla="val 0"/>
-              <a:gd name="A7" fmla="val 0"/>
-              <a:gd name="A8" fmla="val 0"/>
-            </a:avLst>
-            <a:gdLst/>
-            <a:ahLst/>
-            <a:cxnLst>
-              <a:cxn ang="0">
-                <a:pos x="0" y="0"/>
-              </a:cxn>
-              <a:cxn ang="0">
-                <a:pos x="1668" y="564"/>
-              </a:cxn>
-              <a:cxn ang="0">
-                <a:pos x="3000" y="186"/>
-              </a:cxn>
-              <a:cxn ang="0">
-                <a:pos x="3000" y="6"/>
-              </a:cxn>
-              <a:cxn ang="0">
-                <a:pos x="0" y="0"/>
-              </a:cxn>
-            </a:cxnLst>
-            <a:rect l="0" t="0" r="0" b="0"/>
-            <a:pathLst>
-              <a:path w="3000" h="595">
-                <a:moveTo>
-                  <a:pt x="0" y="0"/>
-                </a:moveTo>
-                <a:cubicBezTo>
-                  <a:pt x="174" y="102"/>
-                  <a:pt x="1168" y="533"/>
-                  <a:pt x="1668" y="564"/>
-                </a:cubicBezTo>
-                <a:cubicBezTo>
-                  <a:pt x="2168" y="595"/>
-                  <a:pt x="2778" y="279"/>
-                  <a:pt x="3000" y="186"/>
-                </a:cubicBezTo>
-                <a:lnTo>
-                  <a:pt x="3000" y="6"/>
-                </a:lnTo>
-                <a:lnTo>
-                  <a:pt x="0" y="0"/>
-                </a:lnTo>
-                <a:close/>
-              </a:path>
-            </a:pathLst>
-          </a:custGeom>
-          <a:gradFill>
-            <a:gsLst>
-              <a:gs pos="0">
-                <a:schemeClr val="accent3">
-                  <a:shade val="50000"/>
-                  <a:alpha val="30000"/>
-                  <a:satMod val="130000"/>
-                </a:schemeClr>
-              </a:gs>
-              <a:gs pos="80000">
-                <a:schemeClr val="accent2">
-                  <a:shade val="75000"/>
-                  <a:alpha val="45000"/>
-                  <a:satMod val="140000"/>
-                </a:schemeClr>
-              </a:gs>
-            </a:gsLst>
-            <a:lin ang="5400000" scaled="1"/>
-          </a:gradFill>
-          <a:ln w="9525" cap="flat" cmpd="sng" algn="ctr">
-            <a:noFill/>
-            <a:prstDash val="solid"/>
-            <a:round/>
-            <a:headEnd type="none" w="med" len="med"/>
-            <a:tailEnd type="none" w="med" len="med"/>
-          </a:ln>
-          <a:effectLst/>
-        </p:spPr>
-        <p:txBody>
-          <a:bodyPr vert="horz" wrap="square" lIns="91440" tIns="45720" rIns="91440" bIns="45720" anchor="t" compatLnSpc="1"/>
-          <a:lstStyle/>
-          <a:p>
-            <a:pPr marL="0" algn="l" rtl="0" eaLnBrk="1" latinLnBrk="0" hangingPunct="1"/>
-            <a:endParaRPr kumimoji="0" lang="en-US">
-              <a:solidFill>
-                <a:schemeClr val="tx1"/>
-              </a:solidFill>
-              <a:latin typeface="+mn-lt"/>
-              <a:ea typeface="+mn-ea"/>
-              <a:cs typeface="+mn-cs"/>
-            </a:endParaRPr>
-          </a:p>
-        </p:txBody>
-      </p:sp>
-      <p:sp>
-        <p:nvSpPr>
-          <p:cNvPr id="9" name="Title Placeholder 8"/>
+          <p:cNvPr id="2" name="Title Placeholder 1">
+            <a:extLst>
+              <a:ext uri="{FF2B5EF4-FFF2-40B4-BE49-F238E27FC236}">
+                <a16:creationId xmlns:a16="http://schemas.microsoft.com/office/drawing/2014/main" id="{898AFEC7-CD08-4192-B92B-E91E5B8FC0CC}"/>
+              </a:ext>
+            </a:extLst>
+          </p:cNvPr>
           <p:cNvSpPr>
             <a:spLocks noGrp="1"/>
           </p:cNvSpPr>
@@ -6635,21 +6311,21 @@
         </p:nvSpPr>
         <p:spPr>
           <a:xfrm>
-            <a:off x="457200" y="704088"/>
-            <a:ext cx="8229600" cy="1143000"/>
+            <a:off x="628650" y="365126"/>
+            <a:ext cx="7886700" cy="1325563"/>
           </a:xfrm>
           <a:prstGeom prst="rect">
             <a:avLst/>
           </a:prstGeom>
         </p:spPr>
         <p:txBody>
-          <a:bodyPr vert="horz" lIns="0" rIns="0" bIns="0" anchor="b">
+          <a:bodyPr vert="horz" lIns="91440" tIns="45720" rIns="91440" bIns="45720" rtlCol="0" anchor="ctr">
             <a:normAutofit/>
           </a:bodyPr>
           <a:lstStyle/>
           <a:p>
             <a:r>
-              <a:rPr kumimoji="0" lang="en-US"/>
+              <a:rPr lang="en-US"/>
               <a:t>Click to edit Master title style</a:t>
             </a:r>
           </a:p>
@@ -6657,7 +6333,13 @@
       </p:sp>
       <p:sp>
         <p:nvSpPr>
-          <p:cNvPr id="30" name="Text Placeholder 29"/>
+          <p:cNvPr id="3" name="Text Placeholder 2">
+            <a:extLst>
+              <a:ext uri="{FF2B5EF4-FFF2-40B4-BE49-F238E27FC236}">
+                <a16:creationId xmlns:a16="http://schemas.microsoft.com/office/drawing/2014/main" id="{5C9449D4-8D8B-4ED1-A10E-045217311E01}"/>
+              </a:ext>
+            </a:extLst>
+          </p:cNvPr>
           <p:cNvSpPr>
             <a:spLocks noGrp="1"/>
           </p:cNvSpPr>
@@ -6667,50 +6349,50 @@
         </p:nvSpPr>
         <p:spPr>
           <a:xfrm>
-            <a:off x="457200" y="1935480"/>
-            <a:ext cx="8229600" cy="4389120"/>
+            <a:off x="628650" y="1825625"/>
+            <a:ext cx="7886700" cy="4351338"/>
           </a:xfrm>
           <a:prstGeom prst="rect">
             <a:avLst/>
           </a:prstGeom>
         </p:spPr>
         <p:txBody>
-          <a:bodyPr vert="horz">
+          <a:bodyPr vert="horz" lIns="91440" tIns="45720" rIns="91440" bIns="45720" rtlCol="0">
             <a:normAutofit/>
           </a:bodyPr>
           <a:lstStyle/>
           <a:p>
-            <a:pPr lvl="0" eaLnBrk="1" latinLnBrk="0" hangingPunct="1"/>
-            <a:r>
-              <a:rPr kumimoji="0" lang="en-US"/>
+            <a:pPr lvl="0"/>
+            <a:r>
+              <a:rPr lang="en-US"/>
               <a:t>Click to edit Master text styles</a:t>
             </a:r>
           </a:p>
           <a:p>
-            <a:pPr lvl="1" eaLnBrk="1" latinLnBrk="0" hangingPunct="1"/>
-            <a:r>
-              <a:rPr kumimoji="0" lang="en-US"/>
+            <a:pPr lvl="1"/>
+            <a:r>
+              <a:rPr lang="en-US"/>
               <a:t>Second level</a:t>
             </a:r>
           </a:p>
           <a:p>
-            <a:pPr lvl="2" eaLnBrk="1" latinLnBrk="0" hangingPunct="1"/>
-            <a:r>
-              <a:rPr kumimoji="0" lang="en-US"/>
+            <a:pPr lvl="2"/>
+            <a:r>
+              <a:rPr lang="en-US"/>
               <a:t>Third level</a:t>
             </a:r>
           </a:p>
           <a:p>
-            <a:pPr lvl="3" eaLnBrk="1" latinLnBrk="0" hangingPunct="1"/>
-            <a:r>
-              <a:rPr kumimoji="0" lang="en-US"/>
+            <a:pPr lvl="3"/>
+            <a:r>
+              <a:rPr lang="en-US"/>
               <a:t>Fourth level</a:t>
             </a:r>
           </a:p>
           <a:p>
-            <a:pPr lvl="4" eaLnBrk="1" latinLnBrk="0" hangingPunct="1"/>
-            <a:r>
-              <a:rPr kumimoji="0" lang="en-US"/>
+            <a:pPr lvl="4"/>
+            <a:r>
+              <a:rPr lang="en-US"/>
               <a:t>Fifth level</a:t>
             </a:r>
           </a:p>
@@ -6718,7 +6400,13 @@
       </p:sp>
       <p:sp>
         <p:nvSpPr>
-          <p:cNvPr id="10" name="Date Placeholder 9"/>
+          <p:cNvPr id="4" name="Date Placeholder 3">
+            <a:extLst>
+              <a:ext uri="{FF2B5EF4-FFF2-40B4-BE49-F238E27FC236}">
+                <a16:creationId xmlns:a16="http://schemas.microsoft.com/office/drawing/2014/main" id="{6961CA11-98B9-4DFD-A657-1E7854A8FDCE}"/>
+              </a:ext>
+            </a:extLst>
+          </p:cNvPr>
           <p:cNvSpPr>
             <a:spLocks noGrp="1"/>
           </p:cNvSpPr>
@@ -6728,21 +6416,21 @@
         </p:nvSpPr>
         <p:spPr>
           <a:xfrm>
-            <a:off x="457200" y="6356350"/>
-            <a:ext cx="2133600" cy="365125"/>
+            <a:off x="628650" y="6356351"/>
+            <a:ext cx="2057400" cy="365125"/>
           </a:xfrm>
           <a:prstGeom prst="rect">
             <a:avLst/>
           </a:prstGeom>
         </p:spPr>
         <p:txBody>
-          <a:bodyPr vert="horz" lIns="0" tIns="0" rIns="0" bIns="0" anchor="b"/>
+          <a:bodyPr vert="horz" lIns="91440" tIns="45720" rIns="91440" bIns="45720" rtlCol="0" anchor="ctr"/>
           <a:lstStyle>
-            <a:lvl1pPr algn="l" eaLnBrk="1" latinLnBrk="0" hangingPunct="1">
-              <a:defRPr kumimoji="0" sz="1200">
+            <a:lvl1pPr algn="l">
+              <a:defRPr sz="900">
                 <a:solidFill>
-                  <a:schemeClr val="tx2">
-                    <a:shade val="90000"/>
+                  <a:schemeClr val="tx1">
+                    <a:tint val="75000"/>
                   </a:schemeClr>
                 </a:solidFill>
               </a:defRPr>
@@ -6751,7 +6439,7 @@
           <a:p>
             <a:fld id="{22790F3E-10B9-4148-BD60-B22F57AA8B41}" type="datetime1">
               <a:rPr lang="en-US" smtClean="0"/>
-              <a:t>2/26/2023</a:t>
+              <a:t>4/22/2023</a:t>
             </a:fld>
             <a:endParaRPr lang="en-US"/>
           </a:p>
@@ -6759,7 +6447,13 @@
       </p:sp>
       <p:sp>
         <p:nvSpPr>
-          <p:cNvPr id="22" name="Footer Placeholder 21"/>
+          <p:cNvPr id="5" name="Footer Placeholder 4">
+            <a:extLst>
+              <a:ext uri="{FF2B5EF4-FFF2-40B4-BE49-F238E27FC236}">
+                <a16:creationId xmlns:a16="http://schemas.microsoft.com/office/drawing/2014/main" id="{A670CC98-59EC-4253-A719-B69023158DD1}"/>
+              </a:ext>
+            </a:extLst>
+          </p:cNvPr>
           <p:cNvSpPr>
             <a:spLocks noGrp="1"/>
           </p:cNvSpPr>
@@ -6769,21 +6463,21 @@
         </p:nvSpPr>
         <p:spPr>
           <a:xfrm>
-            <a:off x="2667000" y="6356350"/>
-            <a:ext cx="3352800" cy="365125"/>
+            <a:off x="3028950" y="6356351"/>
+            <a:ext cx="3086100" cy="365125"/>
           </a:xfrm>
           <a:prstGeom prst="rect">
             <a:avLst/>
           </a:prstGeom>
         </p:spPr>
         <p:txBody>
-          <a:bodyPr vert="horz" lIns="0" tIns="0" rIns="0" bIns="0" anchor="b"/>
+          <a:bodyPr vert="horz" lIns="91440" tIns="45720" rIns="91440" bIns="45720" rtlCol="0" anchor="ctr"/>
           <a:lstStyle>
-            <a:lvl1pPr algn="l" eaLnBrk="1" latinLnBrk="0" hangingPunct="1">
-              <a:defRPr kumimoji="0" sz="1200">
+            <a:lvl1pPr algn="ctr">
+              <a:defRPr sz="900">
                 <a:solidFill>
-                  <a:schemeClr val="tx2">
-                    <a:shade val="90000"/>
+                  <a:schemeClr val="tx1">
+                    <a:tint val="75000"/>
                   </a:schemeClr>
                 </a:solidFill>
               </a:defRPr>
@@ -6796,7 +6490,13 @@
       </p:sp>
       <p:sp>
         <p:nvSpPr>
-          <p:cNvPr id="18" name="Slide Number Placeholder 17"/>
+          <p:cNvPr id="6" name="Slide Number Placeholder 5">
+            <a:extLst>
+              <a:ext uri="{FF2B5EF4-FFF2-40B4-BE49-F238E27FC236}">
+                <a16:creationId xmlns:a16="http://schemas.microsoft.com/office/drawing/2014/main" id="{5828AE80-2015-4B56-A104-E32EAA3E76C4}"/>
+              </a:ext>
+            </a:extLst>
+          </p:cNvPr>
           <p:cNvSpPr>
             <a:spLocks noGrp="1"/>
           </p:cNvSpPr>
@@ -6806,21 +6506,21 @@
         </p:nvSpPr>
         <p:spPr>
           <a:xfrm>
-            <a:off x="7924800" y="6356350"/>
-            <a:ext cx="762000" cy="365125"/>
+            <a:off x="6457950" y="6356351"/>
+            <a:ext cx="2057400" cy="365125"/>
           </a:xfrm>
           <a:prstGeom prst="rect">
             <a:avLst/>
           </a:prstGeom>
         </p:spPr>
         <p:txBody>
-          <a:bodyPr vert="horz" lIns="0" tIns="0" rIns="0" bIns="0" anchor="b"/>
+          <a:bodyPr vert="horz" lIns="91440" tIns="45720" rIns="91440" bIns="45720" rtlCol="0" anchor="ctr"/>
           <a:lstStyle>
-            <a:lvl1pPr algn="r" eaLnBrk="1" latinLnBrk="0" hangingPunct="1">
-              <a:defRPr kumimoji="0" sz="1200">
+            <a:lvl1pPr algn="r">
+              <a:defRPr sz="900">
                 <a:solidFill>
-                  <a:schemeClr val="tx2">
-                    <a:shade val="90000"/>
+                  <a:schemeClr val="tx1">
+                    <a:tint val="75000"/>
                   </a:schemeClr>
                 </a:solidFill>
               </a:defRPr>
@@ -6836,252 +6536,42 @@
           </a:p>
         </p:txBody>
       </p:sp>
-      <p:grpSp>
-        <p:nvGrpSpPr>
-          <p:cNvPr id="2" name="Group 1"/>
-          <p:cNvGrpSpPr/>
-          <p:nvPr/>
-        </p:nvGrpSpPr>
-        <p:grpSpPr>
-          <a:xfrm>
-            <a:off x="-19017" y="202408"/>
-            <a:ext cx="9180548" cy="649224"/>
-            <a:chOff x="-19045" y="216550"/>
-            <a:chExt cx="9180548" cy="649224"/>
-          </a:xfrm>
-        </p:grpSpPr>
-        <p:sp>
-          <p:nvSpPr>
-            <p:cNvPr id="12" name="Freeform 11"/>
-            <p:cNvSpPr>
-              <a:spLocks/>
-            </p:cNvSpPr>
-            <p:nvPr/>
-          </p:nvSpPr>
-          <p:spPr bwMode="auto">
-            <a:xfrm rot="21435692">
-              <a:off x="-19045" y="216550"/>
-              <a:ext cx="9163050" cy="649224"/>
-            </a:xfrm>
-            <a:custGeom>
-              <a:avLst>
-                <a:gd name="A1" fmla="val 0"/>
-                <a:gd name="A2" fmla="val 0"/>
-                <a:gd name="A3" fmla="val 0"/>
-                <a:gd name="A4" fmla="val 0"/>
-                <a:gd name="A5" fmla="val 0"/>
-                <a:gd name="A6" fmla="val 0"/>
-                <a:gd name="A7" fmla="val 0"/>
-                <a:gd name="A8" fmla="val 0"/>
-              </a:avLst>
-              <a:gdLst/>
-              <a:ahLst/>
-              <a:cxnLst>
-                <a:cxn ang="0">
-                  <a:pos x="0" y="966"/>
-                </a:cxn>
-                <a:cxn ang="0">
-                  <a:pos x="1608" y="282"/>
-                </a:cxn>
-                <a:cxn ang="0">
-                  <a:pos x="4110" y="1008"/>
-                </a:cxn>
-                <a:cxn ang="0">
-                  <a:pos x="5772" y="0"/>
-                </a:cxn>
-              </a:cxnLst>
-              <a:rect l="0" t="0" r="0" b="0"/>
-              <a:pathLst>
-                <a:path w="5772" h="1055">
-                  <a:moveTo>
-                    <a:pt x="0" y="966"/>
-                  </a:moveTo>
-                  <a:cubicBezTo>
-                    <a:pt x="282" y="738"/>
-                    <a:pt x="923" y="275"/>
-                    <a:pt x="1608" y="282"/>
-                  </a:cubicBezTo>
-                  <a:cubicBezTo>
-                    <a:pt x="2293" y="289"/>
-                    <a:pt x="3416" y="1055"/>
-                    <a:pt x="4110" y="1008"/>
-                  </a:cubicBezTo>
-                  <a:cubicBezTo>
-                    <a:pt x="4804" y="961"/>
-                    <a:pt x="5426" y="210"/>
-                    <a:pt x="5772" y="0"/>
-                  </a:cubicBezTo>
-                </a:path>
-              </a:pathLst>
-            </a:custGeom>
-            <a:noFill/>
-            <a:ln w="10795" cap="flat" cmpd="sng" algn="ctr">
-              <a:gradFill>
-                <a:gsLst>
-                  <a:gs pos="74000">
-                    <a:schemeClr val="accent3">
-                      <a:shade val="75000"/>
-                    </a:schemeClr>
-                  </a:gs>
-                  <a:gs pos="86000">
-                    <a:schemeClr val="tx1">
-                      <a:alpha val="29000"/>
-                    </a:schemeClr>
-                  </a:gs>
-                  <a:gs pos="16000">
-                    <a:schemeClr val="accent2">
-                      <a:shade val="75000"/>
-                      <a:alpha val="56000"/>
-                    </a:schemeClr>
-                  </a:gs>
-                </a:gsLst>
-                <a:lin ang="5400000" scaled="1"/>
-              </a:gradFill>
-              <a:prstDash val="solid"/>
-              <a:round/>
-              <a:headEnd type="none" w="med" len="med"/>
-              <a:tailEnd type="none" w="med" len="med"/>
-            </a:ln>
-            <a:effectLst/>
-          </p:spPr>
-          <p:txBody>
-            <a:bodyPr vert="horz" wrap="square" lIns="91440" tIns="45720" rIns="91440" bIns="45720" anchor="t" compatLnSpc="1"/>
-            <a:lstStyle/>
-            <a:p>
-              <a:endParaRPr kumimoji="0" lang="en-US"/>
-            </a:p>
-          </p:txBody>
-        </p:sp>
-        <p:sp>
-          <p:nvSpPr>
-            <p:cNvPr id="13" name="Freeform 12"/>
-            <p:cNvSpPr>
-              <a:spLocks/>
-            </p:cNvSpPr>
-            <p:nvPr/>
-          </p:nvSpPr>
-          <p:spPr bwMode="auto">
-            <a:xfrm rot="21435692">
-              <a:off x="-14309" y="290003"/>
-              <a:ext cx="9175812" cy="530352"/>
-            </a:xfrm>
-            <a:custGeom>
-              <a:avLst>
-                <a:gd name="A1" fmla="val 0"/>
-                <a:gd name="A2" fmla="val 0"/>
-                <a:gd name="A3" fmla="val 0"/>
-                <a:gd name="A4" fmla="val 0"/>
-                <a:gd name="A5" fmla="val 0"/>
-                <a:gd name="A6" fmla="val 0"/>
-                <a:gd name="A7" fmla="val 0"/>
-                <a:gd name="A8" fmla="val 0"/>
-              </a:avLst>
-              <a:gdLst/>
-              <a:ahLst/>
-              <a:cxnLst>
-                <a:cxn ang="0">
-                  <a:pos x="0" y="732"/>
-                </a:cxn>
-                <a:cxn ang="0">
-                  <a:pos x="1638" y="228"/>
-                </a:cxn>
-                <a:cxn ang="0">
-                  <a:pos x="4122" y="816"/>
-                </a:cxn>
-                <a:cxn ang="0">
-                  <a:pos x="5766" y="0"/>
-                </a:cxn>
-              </a:cxnLst>
-              <a:rect l="0" t="0" r="0" b="0"/>
-              <a:pathLst>
-                <a:path w="5766" h="854">
-                  <a:moveTo>
-                    <a:pt x="0" y="732"/>
-                  </a:moveTo>
-                  <a:cubicBezTo>
-                    <a:pt x="273" y="647"/>
-                    <a:pt x="951" y="214"/>
-                    <a:pt x="1638" y="228"/>
-                  </a:cubicBezTo>
-                  <a:cubicBezTo>
-                    <a:pt x="2325" y="242"/>
-                    <a:pt x="3434" y="854"/>
-                    <a:pt x="4122" y="816"/>
-                  </a:cubicBezTo>
-                  <a:cubicBezTo>
-                    <a:pt x="4810" y="778"/>
-                    <a:pt x="5424" y="170"/>
-                    <a:pt x="5766" y="0"/>
-                  </a:cubicBezTo>
-                </a:path>
-              </a:pathLst>
-            </a:custGeom>
-            <a:noFill/>
-            <a:ln w="9525" cap="flat" cmpd="sng" algn="ctr">
-              <a:gradFill>
-                <a:gsLst>
-                  <a:gs pos="74000">
-                    <a:schemeClr val="accent4"/>
-                  </a:gs>
-                  <a:gs pos="44000">
-                    <a:schemeClr val="accent1"/>
-                  </a:gs>
-                  <a:gs pos="33000">
-                    <a:schemeClr val="accent2">
-                      <a:alpha val="56000"/>
-                    </a:schemeClr>
-                  </a:gs>
-                </a:gsLst>
-                <a:lin ang="5400000" scaled="1"/>
-              </a:gradFill>
-              <a:prstDash val="solid"/>
-              <a:round/>
-              <a:headEnd type="none" w="med" len="med"/>
-              <a:tailEnd type="none" w="med" len="med"/>
-            </a:ln>
-            <a:effectLst/>
-          </p:spPr>
-          <p:txBody>
-            <a:bodyPr vert="horz" wrap="square" lIns="91440" tIns="45720" rIns="91440" bIns="45720" anchor="t" compatLnSpc="1"/>
-            <a:lstStyle/>
-            <a:p>
-              <a:endParaRPr kumimoji="0" lang="en-US"/>
-            </a:p>
-          </p:txBody>
-        </p:sp>
-      </p:grpSp>
     </p:spTree>
+    <p:extLst>
+      <p:ext uri="{BB962C8B-B14F-4D97-AF65-F5344CB8AC3E}">
+        <p14:creationId xmlns:p14="http://schemas.microsoft.com/office/powerpoint/2010/main" val="3182738286"/>
+      </p:ext>
+    </p:extLst>
   </p:cSld>
   <p:clrMap bg1="lt1" tx1="dk1" bg2="lt2" tx2="dk2" accent1="accent1" accent2="accent2" accent3="accent3" accent4="accent4" accent5="accent5" accent6="accent6" hlink="hlink" folHlink="folHlink"/>
   <p:sldLayoutIdLst>
-    <p:sldLayoutId id="2147483673" r:id="rId1"/>
-    <p:sldLayoutId id="2147483674" r:id="rId2"/>
-    <p:sldLayoutId id="2147483675" r:id="rId3"/>
-    <p:sldLayoutId id="2147483676" r:id="rId4"/>
-    <p:sldLayoutId id="2147483677" r:id="rId5"/>
-    <p:sldLayoutId id="2147483678" r:id="rId6"/>
-    <p:sldLayoutId id="2147483679" r:id="rId7"/>
-    <p:sldLayoutId id="2147483680" r:id="rId8"/>
-    <p:sldLayoutId id="2147483681" r:id="rId9"/>
-    <p:sldLayoutId id="2147483682" r:id="rId10"/>
-    <p:sldLayoutId id="2147483683" r:id="rId11"/>
+    <p:sldLayoutId id="2147483685" r:id="rId1"/>
+    <p:sldLayoutId id="2147483686" r:id="rId2"/>
+    <p:sldLayoutId id="2147483687" r:id="rId3"/>
+    <p:sldLayoutId id="2147483688" r:id="rId4"/>
+    <p:sldLayoutId id="2147483689" r:id="rId5"/>
+    <p:sldLayoutId id="2147483690" r:id="rId6"/>
+    <p:sldLayoutId id="2147483691" r:id="rId7"/>
+    <p:sldLayoutId id="2147483692" r:id="rId8"/>
+    <p:sldLayoutId id="2147483693" r:id="rId9"/>
+    <p:sldLayoutId id="2147483694" r:id="rId10"/>
+    <p:sldLayoutId id="2147483695" r:id="rId11"/>
   </p:sldLayoutIdLst>
   <p:hf hdr="0" ftr="0" dt="0"/>
   <p:txStyles>
     <p:titleStyle>
-      <a:lvl1pPr algn="l" rtl="0" eaLnBrk="1" latinLnBrk="0" hangingPunct="1">
+      <a:lvl1pPr algn="l" defTabSz="685800" rtl="0" eaLnBrk="1" latinLnBrk="0" hangingPunct="1">
+        <a:lnSpc>
+          <a:spcPct val="90000"/>
+        </a:lnSpc>
         <a:spcBef>
           <a:spcPct val="0"/>
         </a:spcBef>
         <a:buNone/>
-        <a:defRPr kumimoji="0" sz="5000" b="0" kern="1200">
-          <a:ln>
-            <a:noFill/>
-          </a:ln>
+        <a:defRPr sz="3300" kern="1200">
           <a:solidFill>
-            <a:schemeClr val="tx2"/>
+            <a:schemeClr val="tx1"/>
           </a:solidFill>
-          <a:effectLst/>
           <a:latin typeface="+mj-lt"/>
           <a:ea typeface="+mj-ea"/>
           <a:cs typeface="+mj-cs"/>
@@ -7089,17 +6579,16 @@
       </a:lvl1pPr>
     </p:titleStyle>
     <p:bodyStyle>
-      <a:lvl1pPr marL="274320" indent="-274320" algn="l" rtl="0" eaLnBrk="1" latinLnBrk="0" hangingPunct="1">
+      <a:lvl1pPr marL="171450" indent="-171450" algn="l" defTabSz="685800" rtl="0" eaLnBrk="1" latinLnBrk="0" hangingPunct="1">
+        <a:lnSpc>
+          <a:spcPct val="90000"/>
+        </a:lnSpc>
         <a:spcBef>
-          <a:spcPct val="20000"/>
+          <a:spcPts val="750"/>
         </a:spcBef>
-        <a:buClr>
-          <a:schemeClr val="accent3"/>
-        </a:buClr>
-        <a:buSzPct val="95000"/>
-        <a:buFont typeface="Wingdings 2"/>
-        <a:buChar char=""/>
-        <a:defRPr kumimoji="0" sz="2600" kern="1200">
+        <a:buFont typeface="Arial" panose="020B0604020202020204" pitchFamily="34" charset="0"/>
+        <a:buChar char="•"/>
+        <a:defRPr sz="2100" kern="1200">
           <a:solidFill>
             <a:schemeClr val="tx1"/>
           </a:solidFill>
@@ -7108,17 +6597,16 @@
           <a:cs typeface="+mn-cs"/>
         </a:defRPr>
       </a:lvl1pPr>
-      <a:lvl2pPr marL="640080" indent="-246888" algn="l" rtl="0" eaLnBrk="1" latinLnBrk="0" hangingPunct="1">
+      <a:lvl2pPr marL="514350" indent="-171450" algn="l" defTabSz="685800" rtl="0" eaLnBrk="1" latinLnBrk="0" hangingPunct="1">
+        <a:lnSpc>
+          <a:spcPct val="90000"/>
+        </a:lnSpc>
         <a:spcBef>
-          <a:spcPct val="20000"/>
+          <a:spcPts val="375"/>
         </a:spcBef>
-        <a:buClr>
-          <a:schemeClr val="accent1"/>
-        </a:buClr>
-        <a:buSzPct val="85000"/>
-        <a:buFont typeface="Wingdings 2"/>
-        <a:buChar char=""/>
-        <a:defRPr kumimoji="0" sz="2400" kern="1200">
+        <a:buFont typeface="Arial" panose="020B0604020202020204" pitchFamily="34" charset="0"/>
+        <a:buChar char="•"/>
+        <a:defRPr sz="1800" kern="1200">
           <a:solidFill>
             <a:schemeClr val="tx1"/>
           </a:solidFill>
@@ -7127,17 +6615,16 @@
           <a:cs typeface="+mn-cs"/>
         </a:defRPr>
       </a:lvl2pPr>
-      <a:lvl3pPr marL="914400" indent="-246888" algn="l" rtl="0" eaLnBrk="1" latinLnBrk="0" hangingPunct="1">
+      <a:lvl3pPr marL="857250" indent="-171450" algn="l" defTabSz="685800" rtl="0" eaLnBrk="1" latinLnBrk="0" hangingPunct="1">
+        <a:lnSpc>
+          <a:spcPct val="90000"/>
+        </a:lnSpc>
         <a:spcBef>
-          <a:spcPct val="20000"/>
+          <a:spcPts val="375"/>
         </a:spcBef>
-        <a:buClr>
-          <a:schemeClr val="accent2"/>
-        </a:buClr>
-        <a:buSzPct val="70000"/>
-        <a:buFont typeface="Wingdings 2"/>
-        <a:buChar char=""/>
-        <a:defRPr kumimoji="0" sz="2100" kern="1200">
+        <a:buFont typeface="Arial" panose="020B0604020202020204" pitchFamily="34" charset="0"/>
+        <a:buChar char="•"/>
+        <a:defRPr sz="1500" kern="1200">
           <a:solidFill>
             <a:schemeClr val="tx1"/>
           </a:solidFill>
@@ -7146,17 +6633,16 @@
           <a:cs typeface="+mn-cs"/>
         </a:defRPr>
       </a:lvl3pPr>
-      <a:lvl4pPr marL="1188720" indent="-210312" algn="l" rtl="0" eaLnBrk="1" latinLnBrk="0" hangingPunct="1">
+      <a:lvl4pPr marL="1200150" indent="-171450" algn="l" defTabSz="685800" rtl="0" eaLnBrk="1" latinLnBrk="0" hangingPunct="1">
+        <a:lnSpc>
+          <a:spcPct val="90000"/>
+        </a:lnSpc>
         <a:spcBef>
-          <a:spcPct val="20000"/>
+          <a:spcPts val="375"/>
         </a:spcBef>
-        <a:buClr>
-          <a:schemeClr val="accent3"/>
-        </a:buClr>
-        <a:buSzPct val="65000"/>
-        <a:buFont typeface="Wingdings 2"/>
-        <a:buChar char=""/>
-        <a:defRPr kumimoji="0" sz="2000" kern="1200">
+        <a:buFont typeface="Arial" panose="020B0604020202020204" pitchFamily="34" charset="0"/>
+        <a:buChar char="•"/>
+        <a:defRPr sz="1350" kern="1200">
           <a:solidFill>
             <a:schemeClr val="tx1"/>
           </a:solidFill>
@@ -7165,17 +6651,16 @@
           <a:cs typeface="+mn-cs"/>
         </a:defRPr>
       </a:lvl4pPr>
-      <a:lvl5pPr marL="1463040" indent="-210312" algn="l" rtl="0" eaLnBrk="1" latinLnBrk="0" hangingPunct="1">
+      <a:lvl5pPr marL="1543050" indent="-171450" algn="l" defTabSz="685800" rtl="0" eaLnBrk="1" latinLnBrk="0" hangingPunct="1">
+        <a:lnSpc>
+          <a:spcPct val="90000"/>
+        </a:lnSpc>
         <a:spcBef>
-          <a:spcPct val="20000"/>
+          <a:spcPts val="375"/>
         </a:spcBef>
-        <a:buClr>
-          <a:schemeClr val="accent4"/>
-        </a:buClr>
-        <a:buSzPct val="65000"/>
-        <a:buFont typeface="Wingdings 2"/>
-        <a:buChar char=""/>
-        <a:defRPr kumimoji="0" sz="2000" kern="1200">
+        <a:buFont typeface="Arial" panose="020B0604020202020204" pitchFamily="34" charset="0"/>
+        <a:buChar char="•"/>
+        <a:defRPr sz="1350" kern="1200">
           <a:solidFill>
             <a:schemeClr val="tx1"/>
           </a:solidFill>
@@ -7184,17 +6669,16 @@
           <a:cs typeface="+mn-cs"/>
         </a:defRPr>
       </a:lvl5pPr>
-      <a:lvl6pPr marL="1737360" indent="-210312" algn="l" rtl="0" eaLnBrk="1" latinLnBrk="0" hangingPunct="1">
+      <a:lvl6pPr marL="1885950" indent="-171450" algn="l" defTabSz="685800" rtl="0" eaLnBrk="1" latinLnBrk="0" hangingPunct="1">
+        <a:lnSpc>
+          <a:spcPct val="90000"/>
+        </a:lnSpc>
         <a:spcBef>
-          <a:spcPct val="20000"/>
+          <a:spcPts val="375"/>
         </a:spcBef>
-        <a:buClr>
-          <a:schemeClr val="accent5"/>
-        </a:buClr>
-        <a:buSzPct val="80000"/>
-        <a:buFont typeface="Wingdings 2"/>
-        <a:buChar char=""/>
-        <a:defRPr kumimoji="0" sz="1800" kern="1200">
+        <a:buFont typeface="Arial" panose="020B0604020202020204" pitchFamily="34" charset="0"/>
+        <a:buChar char="•"/>
+        <a:defRPr sz="1350" kern="1200">
           <a:solidFill>
             <a:schemeClr val="tx1"/>
           </a:solidFill>
@@ -7203,17 +6687,16 @@
           <a:cs typeface="+mn-cs"/>
         </a:defRPr>
       </a:lvl6pPr>
-      <a:lvl7pPr marL="1920240" indent="-182880" algn="l" rtl="0" eaLnBrk="1" latinLnBrk="0" hangingPunct="1">
+      <a:lvl7pPr marL="2228850" indent="-171450" algn="l" defTabSz="685800" rtl="0" eaLnBrk="1" latinLnBrk="0" hangingPunct="1">
+        <a:lnSpc>
+          <a:spcPct val="90000"/>
+        </a:lnSpc>
         <a:spcBef>
-          <a:spcPct val="20000"/>
+          <a:spcPts val="375"/>
         </a:spcBef>
-        <a:buClr>
-          <a:schemeClr val="accent6"/>
-        </a:buClr>
-        <a:buSzPct val="80000"/>
-        <a:buFont typeface="Wingdings 2"/>
-        <a:buChar char=""/>
-        <a:defRPr kumimoji="0" sz="1600" kern="1200" baseline="0">
+        <a:buFont typeface="Arial" panose="020B0604020202020204" pitchFamily="34" charset="0"/>
+        <a:buChar char="•"/>
+        <a:defRPr sz="1350" kern="1200">
           <a:solidFill>
             <a:schemeClr val="tx1"/>
           </a:solidFill>
@@ -7222,15 +6705,16 @@
           <a:cs typeface="+mn-cs"/>
         </a:defRPr>
       </a:lvl7pPr>
-      <a:lvl8pPr marL="2194560" indent="-182880" algn="l" rtl="0" eaLnBrk="1" latinLnBrk="0" hangingPunct="1">
+      <a:lvl8pPr marL="2571750" indent="-171450" algn="l" defTabSz="685800" rtl="0" eaLnBrk="1" latinLnBrk="0" hangingPunct="1">
+        <a:lnSpc>
+          <a:spcPct val="90000"/>
+        </a:lnSpc>
         <a:spcBef>
-          <a:spcPct val="20000"/>
+          <a:spcPts val="375"/>
         </a:spcBef>
-        <a:buClr>
-          <a:schemeClr val="tx2"/>
-        </a:buClr>
+        <a:buFont typeface="Arial" panose="020B0604020202020204" pitchFamily="34" charset="0"/>
         <a:buChar char="•"/>
-        <a:defRPr kumimoji="0" sz="1600" kern="1200">
+        <a:defRPr sz="1350" kern="1200">
           <a:solidFill>
             <a:schemeClr val="tx1"/>
           </a:solidFill>
@@ -7239,16 +6723,16 @@
           <a:cs typeface="+mn-cs"/>
         </a:defRPr>
       </a:lvl8pPr>
-      <a:lvl9pPr marL="2468880" indent="-182880" algn="l" rtl="0" eaLnBrk="1" latinLnBrk="0" hangingPunct="1">
+      <a:lvl9pPr marL="2914650" indent="-171450" algn="l" defTabSz="685800" rtl="0" eaLnBrk="1" latinLnBrk="0" hangingPunct="1">
+        <a:lnSpc>
+          <a:spcPct val="90000"/>
+        </a:lnSpc>
         <a:spcBef>
-          <a:spcPct val="20000"/>
+          <a:spcPts val="375"/>
         </a:spcBef>
-        <a:buClr>
-          <a:schemeClr val="tx2"/>
-        </a:buClr>
-        <a:buFontTx/>
+        <a:buFont typeface="Arial" panose="020B0604020202020204" pitchFamily="34" charset="0"/>
         <a:buChar char="•"/>
-        <a:defRPr kumimoji="0" sz="1400" kern="1200" baseline="0">
+        <a:defRPr sz="1350" kern="1200">
           <a:solidFill>
             <a:schemeClr val="tx1"/>
           </a:solidFill>
@@ -7259,8 +6743,11 @@
       </a:lvl9pPr>
     </p:bodyStyle>
     <p:otherStyle>
-      <a:lvl1pPr marL="0" algn="l" rtl="0" eaLnBrk="1" latinLnBrk="0" hangingPunct="1">
-        <a:defRPr kumimoji="0" kern="1200">
+      <a:defPPr>
+        <a:defRPr lang="en-US"/>
+      </a:defPPr>
+      <a:lvl1pPr marL="0" algn="l" defTabSz="685800" rtl="0" eaLnBrk="1" latinLnBrk="0" hangingPunct="1">
+        <a:defRPr sz="1350" kern="1200">
           <a:solidFill>
             <a:schemeClr val="tx1"/>
           </a:solidFill>
@@ -7269,8 +6756,8 @@
           <a:cs typeface="+mn-cs"/>
         </a:defRPr>
       </a:lvl1pPr>
-      <a:lvl2pPr marL="457200" algn="l" rtl="0" eaLnBrk="1" latinLnBrk="0" hangingPunct="1">
-        <a:defRPr kumimoji="0" kern="1200">
+      <a:lvl2pPr marL="342900" algn="l" defTabSz="685800" rtl="0" eaLnBrk="1" latinLnBrk="0" hangingPunct="1">
+        <a:defRPr sz="1350" kern="1200">
           <a:solidFill>
             <a:schemeClr val="tx1"/>
           </a:solidFill>
@@ -7279,8 +6766,8 @@
           <a:cs typeface="+mn-cs"/>
         </a:defRPr>
       </a:lvl2pPr>
-      <a:lvl3pPr marL="914400" algn="l" rtl="0" eaLnBrk="1" latinLnBrk="0" hangingPunct="1">
-        <a:defRPr kumimoji="0" kern="1200">
+      <a:lvl3pPr marL="685800" algn="l" defTabSz="685800" rtl="0" eaLnBrk="1" latinLnBrk="0" hangingPunct="1">
+        <a:defRPr sz="1350" kern="1200">
           <a:solidFill>
             <a:schemeClr val="tx1"/>
           </a:solidFill>
@@ -7289,8 +6776,8 @@
           <a:cs typeface="+mn-cs"/>
         </a:defRPr>
       </a:lvl3pPr>
-      <a:lvl4pPr marL="1371600" algn="l" rtl="0" eaLnBrk="1" latinLnBrk="0" hangingPunct="1">
-        <a:defRPr kumimoji="0" kern="1200">
+      <a:lvl4pPr marL="1028700" algn="l" defTabSz="685800" rtl="0" eaLnBrk="1" latinLnBrk="0" hangingPunct="1">
+        <a:defRPr sz="1350" kern="1200">
           <a:solidFill>
             <a:schemeClr val="tx1"/>
           </a:solidFill>
@@ -7299,8 +6786,8 @@
           <a:cs typeface="+mn-cs"/>
         </a:defRPr>
       </a:lvl4pPr>
-      <a:lvl5pPr marL="1828800" algn="l" rtl="0" eaLnBrk="1" latinLnBrk="0" hangingPunct="1">
-        <a:defRPr kumimoji="0" kern="1200">
+      <a:lvl5pPr marL="1371600" algn="l" defTabSz="685800" rtl="0" eaLnBrk="1" latinLnBrk="0" hangingPunct="1">
+        <a:defRPr sz="1350" kern="1200">
           <a:solidFill>
             <a:schemeClr val="tx1"/>
           </a:solidFill>
@@ -7309,8 +6796,8 @@
           <a:cs typeface="+mn-cs"/>
         </a:defRPr>
       </a:lvl5pPr>
-      <a:lvl6pPr marL="2286000" algn="l" rtl="0" eaLnBrk="1" latinLnBrk="0" hangingPunct="1">
-        <a:defRPr kumimoji="0" kern="1200">
+      <a:lvl6pPr marL="1714500" algn="l" defTabSz="685800" rtl="0" eaLnBrk="1" latinLnBrk="0" hangingPunct="1">
+        <a:defRPr sz="1350" kern="1200">
           <a:solidFill>
             <a:schemeClr val="tx1"/>
           </a:solidFill>
@@ -7319,8 +6806,8 @@
           <a:cs typeface="+mn-cs"/>
         </a:defRPr>
       </a:lvl6pPr>
-      <a:lvl7pPr marL="2743200" algn="l" rtl="0" eaLnBrk="1" latinLnBrk="0" hangingPunct="1">
-        <a:defRPr kumimoji="0" kern="1200">
+      <a:lvl7pPr marL="2057400" algn="l" defTabSz="685800" rtl="0" eaLnBrk="1" latinLnBrk="0" hangingPunct="1">
+        <a:defRPr sz="1350" kern="1200">
           <a:solidFill>
             <a:schemeClr val="tx1"/>
           </a:solidFill>
@@ -7329,8 +6816,8 @@
           <a:cs typeface="+mn-cs"/>
         </a:defRPr>
       </a:lvl7pPr>
-      <a:lvl8pPr marL="3200400" algn="l" rtl="0" eaLnBrk="1" latinLnBrk="0" hangingPunct="1">
-        <a:defRPr kumimoji="0" kern="1200">
+      <a:lvl8pPr marL="2400300" algn="l" defTabSz="685800" rtl="0" eaLnBrk="1" latinLnBrk="0" hangingPunct="1">
+        <a:defRPr sz="1350" kern="1200">
           <a:solidFill>
             <a:schemeClr val="tx1"/>
           </a:solidFill>
@@ -7339,8 +6826,8 @@
           <a:cs typeface="+mn-cs"/>
         </a:defRPr>
       </a:lvl8pPr>
-      <a:lvl9pPr marL="3657600" algn="l" rtl="0" eaLnBrk="1" latinLnBrk="0" hangingPunct="1">
-        <a:defRPr kumimoji="0" kern="1200">
+      <a:lvl9pPr marL="2743200" algn="l" defTabSz="685800" rtl="0" eaLnBrk="1" latinLnBrk="0" hangingPunct="1">
+        <a:defRPr sz="1350" kern="1200">
           <a:solidFill>
             <a:schemeClr val="tx1"/>
           </a:solidFill>
@@ -7399,11 +6886,7 @@
           <a:p>
             <a:pPr algn="ctr"/>
             <a:r>
-              <a:rPr lang="en-US" sz="3300" dirty="0">
-                <a:solidFill>
-                  <a:srgbClr val="FFFF00"/>
-                </a:solidFill>
-              </a:rPr>
+              <a:rPr lang="en-US" sz="3300" dirty="0"/>
               <a:t>Unit 1</a:t>
             </a:r>
           </a:p>
@@ -13721,9 +13204,9 @@
 </file>
 
 <file path=ppt/theme/theme1.xml><?xml version="1.0" encoding="utf-8"?>
-<a:theme xmlns:a="http://schemas.openxmlformats.org/drawingml/2006/main" name="Flow">
+<a:theme xmlns:a="http://schemas.openxmlformats.org/drawingml/2006/main" name="Office Theme">
   <a:themeElements>
-    <a:clrScheme name="Custom 1">
+    <a:clrScheme name="Office">
       <a:dk1>
         <a:sysClr val="windowText" lastClr="000000"/>
       </a:dk1>
@@ -13731,46 +13214,98 @@
         <a:sysClr val="window" lastClr="FFFFFF"/>
       </a:lt1>
       <a:dk2>
-        <a:srgbClr val="04617B"/>
+        <a:srgbClr val="44546A"/>
       </a:dk2>
       <a:lt2>
-        <a:srgbClr val="DBF5F9"/>
+        <a:srgbClr val="E7E6E6"/>
       </a:lt2>
       <a:accent1>
-        <a:srgbClr val="0F6FC6"/>
+        <a:srgbClr val="4472C4"/>
       </a:accent1>
       <a:accent2>
-        <a:srgbClr val="009DD9"/>
+        <a:srgbClr val="ED7D31"/>
       </a:accent2>
       <a:accent3>
-        <a:srgbClr val="0BD0D9"/>
+        <a:srgbClr val="A5A5A5"/>
       </a:accent3>
       <a:accent4>
-        <a:srgbClr val="10CF9B"/>
+        <a:srgbClr val="FFC000"/>
       </a:accent4>
       <a:accent5>
-        <a:srgbClr val="7CCA62"/>
+        <a:srgbClr val="5B9BD5"/>
       </a:accent5>
       <a:accent6>
-        <a:srgbClr val="A5C249"/>
+        <a:srgbClr val="70AD47"/>
       </a:accent6>
       <a:hlink>
-        <a:srgbClr val="7030A0"/>
+        <a:srgbClr val="0563C1"/>
       </a:hlink>
       <a:folHlink>
-        <a:srgbClr val="7030A0"/>
+        <a:srgbClr val="954F72"/>
       </a:folHlink>
     </a:clrScheme>
-    <a:fontScheme name="Flow">
+    <a:fontScheme name="Office">
       <a:majorFont>
-        <a:latin typeface="Calibri"/>
+        <a:latin typeface="Calibri Light" panose="020F0302020204030204"/>
         <a:ea typeface=""/>
         <a:cs typeface=""/>
-        <a:font script="Jpan" typeface="ＭＳ Ｐゴシック"/>
-        <a:font script="Hang" typeface="HY중고딕"/>
-        <a:font script="Hans" typeface="隶书"/>
-        <a:font script="Hant" typeface="微軟正黑體"/>
-        <a:font script="Arab" typeface="Traditional Arabic"/>
+        <a:font script="Jpan" typeface="游ゴシック Light"/>
+        <a:font script="Hang" typeface="맑은 고딕"/>
+        <a:font script="Hans" typeface="等线 Light"/>
+        <a:font script="Hant" typeface="新細明體"/>
+        <a:font script="Arab" typeface="Times New Roman"/>
+        <a:font script="Hebr" typeface="Times New Roman"/>
+        <a:font script="Thai" typeface="Angsana New"/>
+        <a:font script="Ethi" typeface="Nyala"/>
+        <a:font script="Beng" typeface="Vrinda"/>
+        <a:font script="Gujr" typeface="Shruti"/>
+        <a:font script="Khmr" typeface="MoolBoran"/>
+        <a:font script="Knda" typeface="Tunga"/>
+        <a:font script="Guru" typeface="Raavi"/>
+        <a:font script="Cans" typeface="Euphemia"/>
+        <a:font script="Cher" typeface="Plantagenet Cherokee"/>
+        <a:font script="Yiii" typeface="Microsoft Yi Baiti"/>
+        <a:font script="Tibt" typeface="Microsoft Himalaya"/>
+        <a:font script="Thaa" typeface="MV Boli"/>
+        <a:font script="Deva" typeface="Mangal"/>
+        <a:font script="Telu" typeface="Gautami"/>
+        <a:font script="Taml" typeface="Latha"/>
+        <a:font script="Syrc" typeface="Estrangelo Edessa"/>
+        <a:font script="Orya" typeface="Kalinga"/>
+        <a:font script="Mlym" typeface="Kartika"/>
+        <a:font script="Laoo" typeface="DokChampa"/>
+        <a:font script="Sinh" typeface="Iskoola Pota"/>
+        <a:font script="Mong" typeface="Mongolian Baiti"/>
+        <a:font script="Viet" typeface="Times New Roman"/>
+        <a:font script="Uigh" typeface="Microsoft Uighur"/>
+        <a:font script="Geor" typeface="Sylfaen"/>
+        <a:font script="Armn" typeface="Arial"/>
+        <a:font script="Bugi" typeface="Leelawadee UI"/>
+        <a:font script="Bopo" typeface="Microsoft JhengHei"/>
+        <a:font script="Java" typeface="Javanese Text"/>
+        <a:font script="Lisu" typeface="Segoe UI"/>
+        <a:font script="Mymr" typeface="Myanmar Text"/>
+        <a:font script="Nkoo" typeface="Ebrima"/>
+        <a:font script="Olck" typeface="Nirmala UI"/>
+        <a:font script="Osma" typeface="Ebrima"/>
+        <a:font script="Phag" typeface="Phagspa"/>
+        <a:font script="Syrn" typeface="Estrangelo Edessa"/>
+        <a:font script="Syrj" typeface="Estrangelo Edessa"/>
+        <a:font script="Syre" typeface="Estrangelo Edessa"/>
+        <a:font script="Sora" typeface="Nirmala UI"/>
+        <a:font script="Tale" typeface="Microsoft Tai Le"/>
+        <a:font script="Talu" typeface="Microsoft New Tai Lue"/>
+        <a:font script="Tfng" typeface="Ebrima"/>
+      </a:majorFont>
+      <a:minorFont>
+        <a:latin typeface="Calibri" panose="020F0502020204030204"/>
+        <a:ea typeface=""/>
+        <a:cs typeface=""/>
+        <a:font script="Jpan" typeface="游ゴシック"/>
+        <a:font script="Hang" typeface="맑은 고딕"/>
+        <a:font script="Hans" typeface="等线"/>
+        <a:font script="Hant" typeface="新細明體"/>
+        <a:font script="Arab" typeface="Arial"/>
         <a:font script="Hebr" typeface="Arial"/>
         <a:font script="Thai" typeface="Cordia New"/>
         <a:font script="Ethi" typeface="Nyala"/>
@@ -13795,148 +13330,28 @@
         <a:font script="Mong" typeface="Mongolian Baiti"/>
         <a:font script="Viet" typeface="Arial"/>
         <a:font script="Uigh" typeface="Microsoft Uighur"/>
-      </a:majorFont>
-      <a:minorFont>
-        <a:latin typeface="Constantia"/>
-        <a:ea typeface=""/>
-        <a:cs typeface=""/>
-        <a:font script="Jpan" typeface="HGP明朝E"/>
-        <a:font script="Hang" typeface="HY신명조"/>
-        <a:font script="Hans" typeface="宋体"/>
-        <a:font script="Hant" typeface="新細明體"/>
-        <a:font script="Arab" typeface="Majalla UI"/>
-        <a:font script="Hebr" typeface="David"/>
-        <a:font script="Thai" typeface="Browallia New"/>
-        <a:font script="Ethi" typeface="Nyala"/>
-        <a:font script="Beng" typeface="Vrinda"/>
-        <a:font script="Gujr" typeface="Shruti"/>
-        <a:font script="Khmr" typeface="MoolBoran"/>
-        <a:font script="Knda" typeface="Tunga"/>
-        <a:font script="Guru" typeface="Raavi"/>
-        <a:font script="Cans" typeface="Euphemia"/>
-        <a:font script="Cher" typeface="Plantagenet Cherokee"/>
-        <a:font script="Yiii" typeface="Microsoft Yi Baiti"/>
-        <a:font script="Tibt" typeface="Microsoft Himalaya"/>
-        <a:font script="Thaa" typeface="MV Boli"/>
-        <a:font script="Deva" typeface="Mangal"/>
-        <a:font script="Telu" typeface="Gautami"/>
-        <a:font script="Taml" typeface="Latha"/>
-        <a:font script="Syrc" typeface="Estrangelo Edessa"/>
-        <a:font script="Orya" typeface="Kalinga"/>
-        <a:font script="Mlym" typeface="Kartika"/>
-        <a:font script="Laoo" typeface="DokChampa"/>
-        <a:font script="Sinh" typeface="Iskoola Pota"/>
-        <a:font script="Mong" typeface="Mongolian Baiti"/>
-        <a:font script="Viet" typeface="Times New Roman"/>
-        <a:font script="Uigh" typeface="Microsoft Uighur"/>
+        <a:font script="Geor" typeface="Sylfaen"/>
+        <a:font script="Armn" typeface="Arial"/>
+        <a:font script="Bugi" typeface="Leelawadee UI"/>
+        <a:font script="Bopo" typeface="Microsoft JhengHei"/>
+        <a:font script="Java" typeface="Javanese Text"/>
+        <a:font script="Lisu" typeface="Segoe UI"/>
+        <a:font script="Mymr" typeface="Myanmar Text"/>
+        <a:font script="Nkoo" typeface="Ebrima"/>
+        <a:font script="Olck" typeface="Nirmala UI"/>
+        <a:font script="Osma" typeface="Ebrima"/>
+        <a:font script="Phag" typeface="Phagspa"/>
+        <a:font script="Syrn" typeface="Estrangelo Edessa"/>
+        <a:font script="Syrj" typeface="Estrangelo Edessa"/>
+        <a:font script="Syre" typeface="Estrangelo Edessa"/>
+        <a:font script="Sora" typeface="Nirmala UI"/>
+        <a:font script="Tale" typeface="Microsoft Tai Le"/>
+        <a:font script="Talu" typeface="Microsoft New Tai Lue"/>
+        <a:font script="Tfng" typeface="Ebrima"/>
       </a:minorFont>
     </a:fontScheme>
-    <a:fmtScheme name="Equity">
+    <a:fmtScheme name="Office">
       <a:fillStyleLst>
-        <a:solidFill>
-          <a:schemeClr val="phClr"/>
-        </a:solidFill>
-        <a:blipFill>
-          <a:blip xmlns:r="http://schemas.openxmlformats.org/officeDocument/2006/relationships" r:embed="rId1">
-            <a:duotone>
-              <a:schemeClr val="phClr">
-                <a:tint val="30000"/>
-                <a:satMod val="300000"/>
-              </a:schemeClr>
-              <a:schemeClr val="phClr">
-                <a:tint val="40000"/>
-                <a:satMod val="200000"/>
-              </a:schemeClr>
-            </a:duotone>
-          </a:blip>
-          <a:tile tx="0" ty="0" sx="70000" sy="70000" flip="none" algn="ctr"/>
-        </a:blipFill>
-        <a:blipFill>
-          <a:blip xmlns:r="http://schemas.openxmlformats.org/officeDocument/2006/relationships" r:embed="rId1">
-            <a:duotone>
-              <a:schemeClr val="phClr">
-                <a:shade val="22000"/>
-                <a:satMod val="160000"/>
-              </a:schemeClr>
-              <a:schemeClr val="phClr">
-                <a:shade val="45000"/>
-                <a:satMod val="100000"/>
-              </a:schemeClr>
-            </a:duotone>
-          </a:blip>
-          <a:tile tx="0" ty="0" sx="65000" sy="65000" flip="none" algn="ctr"/>
-        </a:blipFill>
-      </a:fillStyleLst>
-      <a:lnStyleLst>
-        <a:ln w="9525" cap="flat" cmpd="sng" algn="ctr">
-          <a:solidFill>
-            <a:schemeClr val="phClr">
-              <a:shade val="60000"/>
-              <a:satMod val="110000"/>
-            </a:schemeClr>
-          </a:solidFill>
-          <a:prstDash val="solid"/>
-        </a:ln>
-        <a:ln w="12700" cap="flat" cmpd="sng" algn="ctr">
-          <a:solidFill>
-            <a:schemeClr val="phClr"/>
-          </a:solidFill>
-          <a:prstDash val="solid"/>
-        </a:ln>
-        <a:ln w="38100" cap="flat" cmpd="sng" algn="ctr">
-          <a:solidFill>
-            <a:schemeClr val="phClr"/>
-          </a:solidFill>
-          <a:prstDash val="solid"/>
-        </a:ln>
-      </a:lnStyleLst>
-      <a:effectStyleLst>
-        <a:effectStyle>
-          <a:effectLst>
-            <a:outerShdw blurRad="38100" dist="25400" dir="5400000" algn="t" rotWithShape="0">
-              <a:srgbClr val="000000">
-                <a:alpha val="50000"/>
-              </a:srgbClr>
-            </a:outerShdw>
-          </a:effectLst>
-        </a:effectStyle>
-        <a:effectStyle>
-          <a:effectLst>
-            <a:outerShdw blurRad="38100" dist="25400" dir="5400000" algn="t" rotWithShape="0">
-              <a:srgbClr val="000000">
-                <a:alpha val="50000"/>
-              </a:srgbClr>
-            </a:outerShdw>
-          </a:effectLst>
-        </a:effectStyle>
-        <a:effectStyle>
-          <a:effectLst>
-            <a:outerShdw blurRad="50800" dist="50800" dir="5400000" algn="t" rotWithShape="0">
-              <a:srgbClr val="000000">
-                <a:alpha val="60000"/>
-              </a:srgbClr>
-            </a:outerShdw>
-          </a:effectLst>
-          <a:scene3d>
-            <a:camera prst="isometricBottomUp" fov="0">
-              <a:rot lat="0" lon="0" rev="0"/>
-            </a:camera>
-            <a:lightRig rig="soft" dir="b">
-              <a:rot lat="0" lon="0" rev="9000000"/>
-            </a:lightRig>
-          </a:scene3d>
-          <a:sp3d contourW="35000" prstMaterial="matte">
-            <a:bevelT w="45000" h="38100" prst="convex"/>
-            <a:contourClr>
-              <a:schemeClr val="phClr">
-                <a:tint val="10000"/>
-                <a:satMod val="130000"/>
-              </a:schemeClr>
-            </a:contourClr>
-          </a:sp3d>
-        </a:effectStyle>
-      </a:effectStyleLst>
-      <a:bgFillStyleLst>
         <a:solidFill>
           <a:schemeClr val="phClr"/>
         </a:solidFill>
@@ -13944,47 +13359,142 @@
           <a:gsLst>
             <a:gs pos="0">
               <a:schemeClr val="phClr">
-                <a:tint val="80000"/>
-                <a:satMod val="400000"/>
+                <a:lumMod val="110000"/>
+                <a:satMod val="105000"/>
+                <a:tint val="67000"/>
               </a:schemeClr>
             </a:gs>
-            <a:gs pos="25000">
+            <a:gs pos="50000">
               <a:schemeClr val="phClr">
-                <a:tint val="83000"/>
-                <a:satMod val="320000"/>
+                <a:lumMod val="105000"/>
+                <a:satMod val="103000"/>
+                <a:tint val="73000"/>
               </a:schemeClr>
             </a:gs>
             <a:gs pos="100000">
               <a:schemeClr val="phClr">
-                <a:shade val="15000"/>
-                <a:satMod val="320000"/>
+                <a:lumMod val="105000"/>
+                <a:satMod val="109000"/>
+                <a:tint val="81000"/>
               </a:schemeClr>
             </a:gs>
           </a:gsLst>
-          <a:path path="circle">
-            <a:fillToRect l="10000" t="110000" r="10000" b="100000"/>
-          </a:path>
+          <a:lin ang="5400000" scaled="0"/>
         </a:gradFill>
-        <a:blipFill>
-          <a:blip xmlns:r="http://schemas.openxmlformats.org/officeDocument/2006/relationships" r:embed="rId2">
-            <a:duotone>
+        <a:gradFill rotWithShape="1">
+          <a:gsLst>
+            <a:gs pos="0">
               <a:schemeClr val="phClr">
+                <a:satMod val="103000"/>
+                <a:lumMod val="102000"/>
+                <a:tint val="94000"/>
+              </a:schemeClr>
+            </a:gs>
+            <a:gs pos="50000">
+              <a:schemeClr val="phClr">
+                <a:satMod val="110000"/>
+                <a:lumMod val="100000"/>
+                <a:shade val="100000"/>
+              </a:schemeClr>
+            </a:gs>
+            <a:gs pos="100000">
+              <a:schemeClr val="phClr">
+                <a:lumMod val="99000"/>
+                <a:satMod val="120000"/>
+                <a:shade val="78000"/>
+              </a:schemeClr>
+            </a:gs>
+          </a:gsLst>
+          <a:lin ang="5400000" scaled="0"/>
+        </a:gradFill>
+      </a:fillStyleLst>
+      <a:lnStyleLst>
+        <a:ln w="6350" cap="flat" cmpd="sng" algn="ctr">
+          <a:solidFill>
+            <a:schemeClr val="phClr"/>
+          </a:solidFill>
+          <a:prstDash val="solid"/>
+          <a:miter lim="800000"/>
+        </a:ln>
+        <a:ln w="12700" cap="flat" cmpd="sng" algn="ctr">
+          <a:solidFill>
+            <a:schemeClr val="phClr"/>
+          </a:solidFill>
+          <a:prstDash val="solid"/>
+          <a:miter lim="800000"/>
+        </a:ln>
+        <a:ln w="19050" cap="flat" cmpd="sng" algn="ctr">
+          <a:solidFill>
+            <a:schemeClr val="phClr"/>
+          </a:solidFill>
+          <a:prstDash val="solid"/>
+          <a:miter lim="800000"/>
+        </a:ln>
+      </a:lnStyleLst>
+      <a:effectStyleLst>
+        <a:effectStyle>
+          <a:effectLst/>
+        </a:effectStyle>
+        <a:effectStyle>
+          <a:effectLst/>
+        </a:effectStyle>
+        <a:effectStyle>
+          <a:effectLst>
+            <a:outerShdw blurRad="57150" dist="19050" dir="5400000" algn="ctr" rotWithShape="0">
+              <a:srgbClr val="000000">
+                <a:alpha val="63000"/>
+              </a:srgbClr>
+            </a:outerShdw>
+          </a:effectLst>
+        </a:effectStyle>
+      </a:effectStyleLst>
+      <a:bgFillStyleLst>
+        <a:solidFill>
+          <a:schemeClr val="phClr"/>
+        </a:solidFill>
+        <a:solidFill>
+          <a:schemeClr val="phClr">
+            <a:tint val="95000"/>
+            <a:satMod val="170000"/>
+          </a:schemeClr>
+        </a:solidFill>
+        <a:gradFill rotWithShape="1">
+          <a:gsLst>
+            <a:gs pos="0">
+              <a:schemeClr val="phClr">
+                <a:tint val="93000"/>
+                <a:satMod val="150000"/>
+                <a:shade val="98000"/>
+                <a:lumMod val="102000"/>
+              </a:schemeClr>
+            </a:gs>
+            <a:gs pos="50000">
+              <a:schemeClr val="phClr">
+                <a:tint val="98000"/>
+                <a:satMod val="130000"/>
                 <a:shade val="90000"/>
-                <a:satMod val="150000"/>
+                <a:lumMod val="103000"/>
               </a:schemeClr>
+            </a:gs>
+            <a:gs pos="100000">
               <a:schemeClr val="phClr">
-                <a:tint val="88000"/>
-                <a:satMod val="150000"/>
+                <a:shade val="63000"/>
+                <a:satMod val="120000"/>
               </a:schemeClr>
-            </a:duotone>
-          </a:blip>
-          <a:tile tx="0" ty="0" sx="65000" sy="65000" flip="none" algn="tl"/>
-        </a:blipFill>
+            </a:gs>
+          </a:gsLst>
+          <a:lin ang="5400000" scaled="0"/>
+        </a:gradFill>
       </a:bgFillStyleLst>
     </a:fmtScheme>
   </a:themeElements>
   <a:objectDefaults/>
   <a:extraClrSchemeLst/>
+  <a:extLst>
+    <a:ext uri="{05A4C25C-085E-4340-85A3-A5531E510DB2}">
+      <thm15:themeFamily xmlns:thm15="http://schemas.microsoft.com/office/thememl/2012/main" name="Office Theme" id="{62F939B6-93AF-4DB8-9C6B-D6C7DFDC589F}" vid="{4A3C46E8-61CC-4603-A589-7422A47A8E4A}"/>
+    </a:ext>
+  </a:extLst>
 </a:theme>
 </file>
 
